--- a/Презентация.pptx
+++ b/Презентация.pptx
@@ -112,6 +112,14 @@
       </a:defRPr>
     </a:lvl9pPr>
   </p:defaultTextStyle>
+  <p:extLst>
+    <p:ext uri="{EFAFB233-063F-42B5-8137-9DF3F51BA10A}">
+      <p15:sldGuideLst xmlns:p15="http://schemas.microsoft.com/office/powerpoint/2012/main"/>
+    </p:ext>
+    <p:ext uri="{2D200454-40CA-4A62-9FC3-DE9A4176ACB9}">
+      <p15:notesGuideLst xmlns:p15="http://schemas.microsoft.com/office/powerpoint/2012/main"/>
+    </p:ext>
+  </p:extLst>
 </p:presentation>
 </file>
 
@@ -2283,8 +2291,8 @@
           </a:prstGeom>
         </p:spPr>
       </p:pic>
-      <mc:AlternateContent xmlns:mc="http://schemas.openxmlformats.org/markup-compatibility/2006">
-        <mc:Choice xmlns:a14="http://schemas.microsoft.com/office/drawing/2010/main" Requires="a14">
+      <mc:AlternateContent xmlns:mc="http://schemas.openxmlformats.org/markup-compatibility/2006" xmlns:a14="http://schemas.microsoft.com/office/drawing/2010/main">
+        <mc:Choice Requires="a14">
           <p:sp>
             <p:nvSpPr>
               <p:cNvPr id="5" name="Прямоугольник 4">
@@ -2312,6 +2320,7 @@
               </a:bodyPr>
               <a:lstStyle/>
               <a:p>
+                <a:pPr/>
                 <a14:m>
                   <m:oMathPara xmlns:m="http://schemas.openxmlformats.org/officeDocument/2006/math">
                     <m:oMathParaPr>
@@ -2431,7 +2440,7 @@
             </p:txBody>
           </p:sp>
         </mc:Choice>
-        <mc:Fallback>
+        <mc:Fallback xmlns="">
           <p:sp>
             <p:nvSpPr>
               <p:cNvPr id="5" name="Прямоугольник 4">
@@ -2564,8 +2573,8 @@
           </a:fontRef>
         </p:style>
       </p:cxnSp>
-      <mc:AlternateContent xmlns:mc="http://schemas.openxmlformats.org/markup-compatibility/2006">
-        <mc:Choice xmlns:a14="http://schemas.microsoft.com/office/drawing/2010/main" Requires="a14">
+      <mc:AlternateContent xmlns:mc="http://schemas.openxmlformats.org/markup-compatibility/2006" xmlns:a14="http://schemas.microsoft.com/office/drawing/2010/main">
+        <mc:Choice Requires="a14">
           <p:sp>
             <p:nvSpPr>
               <p:cNvPr id="12" name="Прямоугольник 11">
@@ -2593,6 +2602,7 @@
               </a:bodyPr>
               <a:lstStyle/>
               <a:p>
+                <a:pPr/>
                 <a14:m>
                   <m:oMathPara xmlns:m="http://schemas.openxmlformats.org/officeDocument/2006/math">
                     <m:oMathParaPr>
@@ -2699,7 +2709,7 @@
             </p:txBody>
           </p:sp>
         </mc:Choice>
-        <mc:Fallback>
+        <mc:Fallback xmlns="">
           <p:sp>
             <p:nvSpPr>
               <p:cNvPr id="12" name="Прямоугольник 11">
@@ -2744,8 +2754,8 @@
           </p:sp>
         </mc:Fallback>
       </mc:AlternateContent>
-      <mc:AlternateContent xmlns:mc="http://schemas.openxmlformats.org/markup-compatibility/2006">
-        <mc:Choice xmlns:a14="http://schemas.microsoft.com/office/drawing/2010/main" Requires="a14">
+      <mc:AlternateContent xmlns:mc="http://schemas.openxmlformats.org/markup-compatibility/2006" xmlns:a14="http://schemas.microsoft.com/office/drawing/2010/main">
+        <mc:Choice Requires="a14">
           <p:sp>
             <p:nvSpPr>
               <p:cNvPr id="15" name="Прямоугольник 14">
@@ -2773,6 +2783,7 @@
               </a:bodyPr>
               <a:lstStyle/>
               <a:p>
+                <a:pPr/>
                 <a14:m>
                   <m:oMathPara xmlns:m="http://schemas.openxmlformats.org/officeDocument/2006/math">
                     <m:oMathParaPr>
@@ -2824,7 +2835,7 @@
             </p:txBody>
           </p:sp>
         </mc:Choice>
-        <mc:Fallback>
+        <mc:Fallback xmlns="">
           <p:sp>
             <p:nvSpPr>
               <p:cNvPr id="15" name="Прямоугольник 14">
@@ -2998,8 +3009,8 @@
             </p:nvSpPr>
             <p:spPr>
               <a:xfrm>
-                <a:off x="0" y="4594678"/>
-                <a:ext cx="9144000" cy="2263322"/>
+                <a:off x="-1" y="3407831"/>
+                <a:ext cx="9144000" cy="2058671"/>
               </a:xfrm>
             </p:spPr>
             <p:txBody>
@@ -3008,7 +3019,6 @@
               </a:bodyPr>
               <a:lstStyle/>
               <a:p>
-                <a:pPr/>
                 <a14:m>
                   <m:oMath xmlns:m="http://schemas.openxmlformats.org/officeDocument/2006/math">
                     <m:r>
@@ -3018,7 +3028,25 @@
                       <m:t>𝒌</m:t>
                     </m:r>
                     <m:r>
+                      <a:rPr lang="en-US" sz="2000" b="1" i="1" smtClean="0">
+                        <a:latin typeface="Cambria Math" panose="02040503050406030204" pitchFamily="18" charset="0"/>
+                      </a:rPr>
+                      <m:t>,</m:t>
+                    </m:r>
+                    <m:r>
                       <a:rPr lang="ru-RU" sz="2000" b="1" i="1" smtClean="0">
+                        <a:latin typeface="Cambria Math" panose="02040503050406030204" pitchFamily="18" charset="0"/>
+                      </a:rPr>
+                      <m:t> </m:t>
+                    </m:r>
+                    <m:r>
+                      <a:rPr lang="en-US" sz="2000" b="1" i="1" smtClean="0">
+                        <a:latin typeface="Cambria Math" panose="02040503050406030204" pitchFamily="18" charset="0"/>
+                      </a:rPr>
+                      <m:t>𝒉𝒗</m:t>
+                    </m:r>
+                    <m:r>
+                      <a:rPr lang="en-US" sz="2000" b="1" i="1" smtClean="0">
                         <a:latin typeface="Cambria Math" panose="02040503050406030204" pitchFamily="18" charset="0"/>
                       </a:rPr>
                       <m:t> ~ </m:t>
@@ -3118,24 +3146,29 @@
                 </a:r>
               </a:p>
               <a:p>
-                <a:pPr/>
                 <a14:m>
                   <m:oMath xmlns:m="http://schemas.openxmlformats.org/officeDocument/2006/math">
                     <m:sSub>
                       <m:sSubPr>
                         <m:ctrlPr>
-                          <a:rPr lang="ru-RU" sz="2000" b="1" i="1" smtClean="0"/>
+                          <a:rPr lang="ru-RU" sz="2000" b="1" i="1" smtClean="0">
+                            <a:latin typeface="Cambria Math" panose="02040503050406030204" pitchFamily="18" charset="0"/>
+                          </a:rPr>
                         </m:ctrlPr>
                       </m:sSubPr>
                       <m:e>
                         <m:r>
-                          <a:rPr lang="ru-RU" sz="2000" b="1" i="1"/>
+                          <a:rPr lang="ru-RU" sz="2000" b="1" i="1">
+                            <a:latin typeface="Cambria Math" panose="02040503050406030204" pitchFamily="18" charset="0"/>
+                          </a:rPr>
                           <m:t>𝒌</m:t>
                         </m:r>
                       </m:e>
                       <m:sub>
                         <m:r>
-                          <a:rPr lang="ru-RU" sz="2000" b="1" i="1"/>
+                          <a:rPr lang="ru-RU" sz="2000" b="1" i="1">
+                            <a:latin typeface="Cambria Math" panose="02040503050406030204" pitchFamily="18" charset="0"/>
+                          </a:rPr>
                           <m:t>𝒆</m:t>
                         </m:r>
                       </m:sub>
@@ -3186,18 +3219,24 @@
                     <m:sSup>
                       <m:sSupPr>
                         <m:ctrlPr>
-                          <a:rPr lang="ru-RU" sz="2000" b="1" i="1"/>
+                          <a:rPr lang="ru-RU" sz="2000" b="1" i="1">
+                            <a:latin typeface="Cambria Math" panose="02040503050406030204" pitchFamily="18" charset="0"/>
+                          </a:rPr>
                         </m:ctrlPr>
                       </m:sSupPr>
                       <m:e>
                         <m:r>
-                          <a:rPr lang="ru-RU" sz="2000" b="1" i="1"/>
+                          <a:rPr lang="ru-RU" sz="2000" b="1" i="1">
+                            <a:latin typeface="Cambria Math" panose="02040503050406030204" pitchFamily="18" charset="0"/>
+                          </a:rPr>
                           <m:t>𝟏𝟎</m:t>
                         </m:r>
                       </m:e>
                       <m:sup>
                         <m:r>
-                          <a:rPr lang="ru-RU" sz="2000" b="1" i="1"/>
+                          <a:rPr lang="ru-RU" sz="2000" b="1" i="1">
+                            <a:latin typeface="Cambria Math" panose="02040503050406030204" pitchFamily="18" charset="0"/>
+                          </a:rPr>
                           <m:t>𝟗</m:t>
                         </m:r>
                       </m:sup>
@@ -3211,22 +3250,30 @@
                     <m:sSup>
                       <m:sSupPr>
                         <m:ctrlPr>
-                          <a:rPr lang="ru-RU" sz="2000" b="1" i="1"/>
+                          <a:rPr lang="ru-RU" sz="2000" b="1" i="1">
+                            <a:latin typeface="Cambria Math" panose="02040503050406030204" pitchFamily="18" charset="0"/>
+                          </a:rPr>
                         </m:ctrlPr>
                       </m:sSupPr>
                       <m:e>
                         <m:r>
-                          <a:rPr lang="ru-RU" sz="2000" b="1" i="1"/>
+                          <a:rPr lang="ru-RU" sz="2000" b="1" i="1">
+                            <a:latin typeface="Cambria Math" panose="02040503050406030204" pitchFamily="18" charset="0"/>
+                          </a:rPr>
                           <m:t>с</m:t>
                         </m:r>
                       </m:e>
                       <m:sup>
                         <m:r>
-                          <a:rPr lang="ru-RU" sz="2000" b="1" i="1"/>
+                          <a:rPr lang="ru-RU" sz="2000" b="1" i="1">
+                            <a:latin typeface="Cambria Math" panose="02040503050406030204" pitchFamily="18" charset="0"/>
+                          </a:rPr>
                           <m:t>−</m:t>
                         </m:r>
                         <m:r>
-                          <a:rPr lang="ru-RU" sz="2000" b="1" i="1"/>
+                          <a:rPr lang="ru-RU" sz="2000" b="1" i="1">
+                            <a:latin typeface="Cambria Math" panose="02040503050406030204" pitchFamily="18" charset="0"/>
+                          </a:rPr>
                           <m:t>𝟏</m:t>
                         </m:r>
                       </m:sup>
@@ -3243,28 +3290,35 @@
                 </a:r>
               </a:p>
               <a:p>
-                <a:pPr/>
                 <a14:m>
                   <m:oMath xmlns:m="http://schemas.openxmlformats.org/officeDocument/2006/math">
                     <m:sSub>
                       <m:sSubPr>
                         <m:ctrlPr>
-                          <a:rPr lang="ru-RU" sz="2000" b="1" i="1"/>
+                          <a:rPr lang="ru-RU" sz="2000" b="1" i="1">
+                            <a:latin typeface="Cambria Math" panose="02040503050406030204" pitchFamily="18" charset="0"/>
+                          </a:rPr>
                         </m:ctrlPr>
                       </m:sSubPr>
                       <m:e>
                         <m:r>
-                          <a:rPr lang="ru-RU" sz="2000" b="1" i="1"/>
+                          <a:rPr lang="ru-RU" sz="2000" b="1" i="1">
+                            <a:latin typeface="Cambria Math" panose="02040503050406030204" pitchFamily="18" charset="0"/>
+                          </a:rPr>
                           <m:t>𝒌</m:t>
                         </m:r>
                       </m:e>
                       <m:sub>
                         <m:r>
-                          <a:rPr lang="ru-RU" sz="2000" b="1" i="1"/>
+                          <a:rPr lang="ru-RU" sz="2000" b="1" i="1">
+                            <a:latin typeface="Cambria Math" panose="02040503050406030204" pitchFamily="18" charset="0"/>
+                          </a:rPr>
                           <m:t>−</m:t>
                         </m:r>
                         <m:r>
-                          <a:rPr lang="ru-RU" sz="2000" b="1" i="1"/>
+                          <a:rPr lang="ru-RU" sz="2000" b="1" i="1">
+                            <a:latin typeface="Cambria Math" panose="02040503050406030204" pitchFamily="18" charset="0"/>
+                          </a:rPr>
                           <m:t>𝒆</m:t>
                         </m:r>
                       </m:sub>
@@ -3276,13 +3330,17 @@
                       <m:t> </m:t>
                     </m:r>
                     <m:r>
-                      <a:rPr lang="ru-RU" sz="2000" b="1" i="1"/>
+                      <a:rPr lang="ru-RU" sz="2000" b="1" i="1">
+                        <a:latin typeface="Cambria Math" panose="02040503050406030204" pitchFamily="18" charset="0"/>
+                      </a:rPr>
                       <m:t>~</m:t>
                     </m:r>
                     <m:sSup>
                       <m:sSupPr>
                         <m:ctrlPr>
-                          <a:rPr lang="ru-RU" sz="2000" b="1" i="1"/>
+                          <a:rPr lang="ru-RU" sz="2000" b="1" i="1">
+                            <a:latin typeface="Cambria Math" panose="02040503050406030204" pitchFamily="18" charset="0"/>
+                          </a:rPr>
                         </m:ctrlPr>
                       </m:sSupPr>
                       <m:e>
@@ -3293,36 +3351,48 @@
                           <m:t> </m:t>
                         </m:r>
                         <m:r>
-                          <a:rPr lang="ru-RU" sz="2000" b="1" i="1"/>
+                          <a:rPr lang="ru-RU" sz="2000" b="1" i="1">
+                            <a:latin typeface="Cambria Math" panose="02040503050406030204" pitchFamily="18" charset="0"/>
+                          </a:rPr>
                           <m:t>𝟏𝟎</m:t>
                         </m:r>
                       </m:e>
                       <m:sup>
                         <m:r>
-                          <a:rPr lang="ru-RU" sz="2000" b="1" i="1"/>
+                          <a:rPr lang="ru-RU" sz="2000" b="1" i="1">
+                            <a:latin typeface="Cambria Math" panose="02040503050406030204" pitchFamily="18" charset="0"/>
+                          </a:rPr>
                           <m:t>𝟕</m:t>
                         </m:r>
                       </m:sup>
                     </m:sSup>
                     <m:r>
-                      <a:rPr lang="ru-RU" sz="2000" b="1" i="1"/>
+                      <a:rPr lang="ru-RU" sz="2000" b="1" i="1">
+                        <a:latin typeface="Cambria Math" panose="02040503050406030204" pitchFamily="18" charset="0"/>
+                      </a:rPr>
                       <m:t> − </m:t>
                     </m:r>
                     <m:sSup>
                       <m:sSupPr>
                         <m:ctrlPr>
-                          <a:rPr lang="ru-RU" sz="2000" b="1" i="1"/>
+                          <a:rPr lang="ru-RU" sz="2000" b="1" i="1">
+                            <a:latin typeface="Cambria Math" panose="02040503050406030204" pitchFamily="18" charset="0"/>
+                          </a:rPr>
                         </m:ctrlPr>
                       </m:sSupPr>
                       <m:e>
                         <m:r>
-                          <a:rPr lang="ru-RU" sz="2000" b="1" i="1"/>
+                          <a:rPr lang="ru-RU" sz="2000" b="1" i="1">
+                            <a:latin typeface="Cambria Math" panose="02040503050406030204" pitchFamily="18" charset="0"/>
+                          </a:rPr>
                           <m:t>𝟏𝟎</m:t>
                         </m:r>
                       </m:e>
                       <m:sup>
                         <m:r>
-                          <a:rPr lang="ru-RU" sz="2000" b="1" i="1"/>
+                          <a:rPr lang="ru-RU" sz="2000" b="1" i="1">
+                            <a:latin typeface="Cambria Math" panose="02040503050406030204" pitchFamily="18" charset="0"/>
+                          </a:rPr>
                           <m:t>𝟗</m:t>
                         </m:r>
                       </m:sup>
@@ -3336,22 +3406,30 @@
                     <m:sSup>
                       <m:sSupPr>
                         <m:ctrlPr>
-                          <a:rPr lang="ru-RU" sz="2000" b="1" i="1"/>
+                          <a:rPr lang="ru-RU" sz="2000" b="1" i="1">
+                            <a:latin typeface="Cambria Math" panose="02040503050406030204" pitchFamily="18" charset="0"/>
+                          </a:rPr>
                         </m:ctrlPr>
                       </m:sSupPr>
                       <m:e>
                         <m:r>
-                          <a:rPr lang="ru-RU" sz="2000" b="1" i="1"/>
+                          <a:rPr lang="ru-RU" sz="2000" b="1" i="1">
+                            <a:latin typeface="Cambria Math" panose="02040503050406030204" pitchFamily="18" charset="0"/>
+                          </a:rPr>
                           <m:t>с</m:t>
                         </m:r>
                       </m:e>
                       <m:sup>
                         <m:r>
-                          <a:rPr lang="ru-RU" sz="2000" b="1" i="1"/>
+                          <a:rPr lang="ru-RU" sz="2000" b="1" i="1">
+                            <a:latin typeface="Cambria Math" panose="02040503050406030204" pitchFamily="18" charset="0"/>
+                          </a:rPr>
                           <m:t>−</m:t>
                         </m:r>
                         <m:r>
-                          <a:rPr lang="ru-RU" sz="2000" b="1" i="1"/>
+                          <a:rPr lang="ru-RU" sz="2000" b="1" i="1">
+                            <a:latin typeface="Cambria Math" panose="02040503050406030204" pitchFamily="18" charset="0"/>
+                          </a:rPr>
                           <m:t>𝟏</m:t>
                         </m:r>
                       </m:sup>
@@ -3368,18 +3446,21 @@
                 </a:r>
               </a:p>
               <a:p>
-                <a:pPr/>
                 <a14:m>
                   <m:oMath xmlns:m="http://schemas.openxmlformats.org/officeDocument/2006/math">
                     <m:sSub>
                       <m:sSubPr>
                         <m:ctrlPr>
-                          <a:rPr lang="ru-RU" sz="2000" b="1" i="1"/>
+                          <a:rPr lang="ru-RU" sz="2000" b="1" i="1">
+                            <a:latin typeface="Cambria Math" panose="02040503050406030204" pitchFamily="18" charset="0"/>
+                          </a:rPr>
                         </m:ctrlPr>
                       </m:sSubPr>
                       <m:e>
                         <m:r>
-                          <a:rPr lang="ru-RU" sz="2000" b="1" i="1"/>
+                          <a:rPr lang="ru-RU" sz="2000" b="1" i="1">
+                            <a:latin typeface="Cambria Math" panose="02040503050406030204" pitchFamily="18" charset="0"/>
+                          </a:rPr>
                           <m:t>𝒌</m:t>
                         </m:r>
                       </m:e>
@@ -3387,18 +3468,24 @@
                         <m:sSup>
                           <m:sSupPr>
                             <m:ctrlPr>
-                              <a:rPr lang="ru-RU" sz="2000" b="1" i="1"/>
+                              <a:rPr lang="ru-RU" sz="2000" b="1" i="1">
+                                <a:latin typeface="Cambria Math" panose="02040503050406030204" pitchFamily="18" charset="0"/>
+                              </a:rPr>
                             </m:ctrlPr>
                           </m:sSupPr>
                           <m:e>
                             <m:r>
-                              <a:rPr lang="ru-RU" sz="2000" b="1" i="1"/>
+                              <a:rPr lang="ru-RU" sz="2000" b="1" i="1">
+                                <a:latin typeface="Cambria Math" panose="02040503050406030204" pitchFamily="18" charset="0"/>
+                              </a:rPr>
                               <m:t>𝑯</m:t>
                             </m:r>
                           </m:e>
                           <m:sup>
                             <m:r>
-                              <a:rPr lang="ru-RU" sz="2000" b="1" i="1"/>
+                              <a:rPr lang="ru-RU" sz="2000" b="1" i="1">
+                                <a:latin typeface="Cambria Math" panose="02040503050406030204" pitchFamily="18" charset="0"/>
+                              </a:rPr>
                               <m:t>+</m:t>
                             </m:r>
                           </m:sup>
@@ -3406,7 +3493,9 @@
                       </m:sub>
                     </m:sSub>
                     <m:r>
-                      <a:rPr lang="ru-RU" sz="2000" b="1" i="1"/>
+                      <a:rPr lang="ru-RU" sz="2000" b="1" i="1">
+                        <a:latin typeface="Cambria Math" panose="02040503050406030204" pitchFamily="18" charset="0"/>
+                      </a:rPr>
                       <m:t>~</m:t>
                     </m:r>
                     <m:sSup>
@@ -3449,12 +3538,16 @@
                     <m:sSup>
                       <m:sSupPr>
                         <m:ctrlPr>
-                          <a:rPr lang="ru-RU" sz="2000" b="1" i="1"/>
+                          <a:rPr lang="ru-RU" sz="2000" b="1" i="1">
+                            <a:latin typeface="Cambria Math" panose="02040503050406030204" pitchFamily="18" charset="0"/>
+                          </a:rPr>
                         </m:ctrlPr>
                       </m:sSupPr>
                       <m:e>
                         <m:r>
-                          <a:rPr lang="ru-RU" sz="2000" b="1" i="1"/>
+                          <a:rPr lang="ru-RU" sz="2000" b="1" i="1">
+                            <a:latin typeface="Cambria Math" panose="02040503050406030204" pitchFamily="18" charset="0"/>
+                          </a:rPr>
                           <m:t>𝟏𝟎</m:t>
                         </m:r>
                       </m:e>
@@ -3476,22 +3569,30 @@
                     <m:sSup>
                       <m:sSupPr>
                         <m:ctrlPr>
-                          <a:rPr lang="ru-RU" sz="2000" b="1" i="1"/>
+                          <a:rPr lang="ru-RU" sz="2000" b="1" i="1">
+                            <a:latin typeface="Cambria Math" panose="02040503050406030204" pitchFamily="18" charset="0"/>
+                          </a:rPr>
                         </m:ctrlPr>
                       </m:sSupPr>
                       <m:e>
                         <m:r>
-                          <a:rPr lang="ru-RU" sz="2000" b="1" i="1"/>
+                          <a:rPr lang="ru-RU" sz="2000" b="1" i="1">
+                            <a:latin typeface="Cambria Math" panose="02040503050406030204" pitchFamily="18" charset="0"/>
+                          </a:rPr>
                           <m:t>с</m:t>
                         </m:r>
                       </m:e>
                       <m:sup>
                         <m:r>
-                          <a:rPr lang="ru-RU" sz="2000" b="1" i="1"/>
+                          <a:rPr lang="ru-RU" sz="2000" b="1" i="1">
+                            <a:latin typeface="Cambria Math" panose="02040503050406030204" pitchFamily="18" charset="0"/>
+                          </a:rPr>
                           <m:t>−</m:t>
                         </m:r>
                         <m:r>
-                          <a:rPr lang="ru-RU" sz="2000" b="1" i="1"/>
+                          <a:rPr lang="ru-RU" sz="2000" b="1" i="1">
+                            <a:latin typeface="Cambria Math" panose="02040503050406030204" pitchFamily="18" charset="0"/>
+                          </a:rPr>
                           <m:t>𝟏</m:t>
                         </m:r>
                       </m:sup>
@@ -3513,30 +3614,37 @@
                 <a:endParaRPr lang="ru-RU" sz="2000" dirty="0"/>
               </a:p>
               <a:p>
-                <a:pPr/>
                 <a14:m>
                   <m:oMath xmlns:m="http://schemas.openxmlformats.org/officeDocument/2006/math">
                     <m:sSub>
                       <m:sSubPr>
                         <m:ctrlPr>
-                          <a:rPr lang="ru-RU" sz="2000" b="1" i="1"/>
+                          <a:rPr lang="ru-RU" sz="2000" b="1" i="1">
+                            <a:latin typeface="Cambria Math" panose="02040503050406030204" pitchFamily="18" charset="0"/>
+                          </a:rPr>
                         </m:ctrlPr>
                       </m:sSubPr>
                       <m:e>
                         <m:r>
-                          <a:rPr lang="ru-RU" sz="2000" b="1" i="1"/>
+                          <a:rPr lang="ru-RU" sz="2000" b="1" i="1">
+                            <a:latin typeface="Cambria Math" panose="02040503050406030204" pitchFamily="18" charset="0"/>
+                          </a:rPr>
                           <m:t>𝒌</m:t>
                         </m:r>
                       </m:e>
                       <m:sub>
                         <m:r>
-                          <a:rPr lang="ru-RU" sz="2000" b="1" i="1"/>
+                          <a:rPr lang="ru-RU" sz="2000" b="1" i="1">
+                            <a:latin typeface="Cambria Math" panose="02040503050406030204" pitchFamily="18" charset="0"/>
+                          </a:rPr>
                           <m:t>𝒅𝒊𝒇𝒇</m:t>
                         </m:r>
                       </m:sub>
                     </m:sSub>
                     <m:r>
-                      <a:rPr lang="ru-RU" sz="2000" b="1" i="1"/>
+                      <a:rPr lang="ru-RU" sz="2000" b="1" i="1">
+                        <a:latin typeface="Cambria Math" panose="02040503050406030204" pitchFamily="18" charset="0"/>
+                      </a:rPr>
                       <m:t> </m:t>
                     </m:r>
                     <m:r>
@@ -3552,32 +3660,44 @@
                       <m:t> </m:t>
                     </m:r>
                     <m:r>
-                      <a:rPr lang="ru-RU" sz="2000" b="1" i="1"/>
+                      <a:rPr lang="ru-RU" sz="2000" b="1" i="1">
+                        <a:latin typeface="Cambria Math" panose="02040503050406030204" pitchFamily="18" charset="0"/>
+                      </a:rPr>
                       <m:t> </m:t>
                     </m:r>
                     <m:r>
-                      <a:rPr lang="ru-RU" sz="2000" b="1" i="1"/>
+                      <a:rPr lang="ru-RU" sz="2000" b="1" i="1">
+                        <a:latin typeface="Cambria Math" panose="02040503050406030204" pitchFamily="18" charset="0"/>
+                      </a:rPr>
                       <m:t>𝟏</m:t>
                     </m:r>
                     <m:r>
-                      <a:rPr lang="ru-RU" sz="2000" b="1" i="1"/>
+                      <a:rPr lang="ru-RU" sz="2000" b="1" i="1">
+                        <a:latin typeface="Cambria Math" panose="02040503050406030204" pitchFamily="18" charset="0"/>
+                      </a:rPr>
                       <m:t>∗</m:t>
                     </m:r>
                     <m:sSup>
                       <m:sSupPr>
                         <m:ctrlPr>
-                          <a:rPr lang="ru-RU" sz="2000" b="1" i="1"/>
+                          <a:rPr lang="ru-RU" sz="2000" b="1" i="1">
+                            <a:latin typeface="Cambria Math" panose="02040503050406030204" pitchFamily="18" charset="0"/>
+                          </a:rPr>
                         </m:ctrlPr>
                       </m:sSupPr>
                       <m:e>
                         <m:r>
-                          <a:rPr lang="ru-RU" sz="2000" b="1" i="1"/>
+                          <a:rPr lang="ru-RU" sz="2000" b="1" i="1">
+                            <a:latin typeface="Cambria Math" panose="02040503050406030204" pitchFamily="18" charset="0"/>
+                          </a:rPr>
                           <m:t>𝟏𝟎</m:t>
                         </m:r>
                       </m:e>
                       <m:sup>
                         <m:r>
-                          <a:rPr lang="ru-RU" sz="2000" b="1" i="1"/>
+                          <a:rPr lang="ru-RU" sz="2000" b="1" i="1">
+                            <a:latin typeface="Cambria Math" panose="02040503050406030204" pitchFamily="18" charset="0"/>
+                          </a:rPr>
                           <m:t>𝟖</m:t>
                         </m:r>
                       </m:sup>
@@ -3585,7 +3705,9 @@
                     <m:sSup>
                       <m:sSupPr>
                         <m:ctrlPr>
-                          <a:rPr lang="ru-RU" sz="2000" b="1" i="1"/>
+                          <a:rPr lang="ru-RU" sz="2000" b="1" i="1">
+                            <a:latin typeface="Cambria Math" panose="02040503050406030204" pitchFamily="18" charset="0"/>
+                          </a:rPr>
                         </m:ctrlPr>
                       </m:sSupPr>
                       <m:e>
@@ -3596,17 +3718,23 @@
                           <m:t> </m:t>
                         </m:r>
                         <m:r>
-                          <a:rPr lang="ru-RU" sz="2000" b="1" i="1"/>
+                          <a:rPr lang="ru-RU" sz="2000" b="1" i="1">
+                            <a:latin typeface="Cambria Math" panose="02040503050406030204" pitchFamily="18" charset="0"/>
+                          </a:rPr>
                           <m:t>с</m:t>
                         </m:r>
                       </m:e>
                       <m:sup>
                         <m:r>
-                          <a:rPr lang="ru-RU" sz="2000" b="1" i="1"/>
+                          <a:rPr lang="ru-RU" sz="2000" b="1" i="1">
+                            <a:latin typeface="Cambria Math" panose="02040503050406030204" pitchFamily="18" charset="0"/>
+                          </a:rPr>
                           <m:t>−</m:t>
                         </m:r>
                         <m:r>
-                          <a:rPr lang="ru-RU" sz="2000" b="1" i="1"/>
+                          <a:rPr lang="ru-RU" sz="2000" b="1" i="1">
+                            <a:latin typeface="Cambria Math" panose="02040503050406030204" pitchFamily="18" charset="0"/>
+                          </a:rPr>
                           <m:t>𝟏</m:t>
                         </m:r>
                       </m:sup>
@@ -3632,7 +3760,6 @@
                 <a:endParaRPr lang="en-US" sz="2000" dirty="0"/>
               </a:p>
               <a:p>
-                <a:pPr/>
                 <a:endParaRPr lang="ru-RU" sz="2000" dirty="0"/>
               </a:p>
             </p:txBody>
@@ -3657,13 +3784,13 @@
             </p:nvSpPr>
             <p:spPr>
               <a:xfrm>
-                <a:off x="0" y="4594678"/>
-                <a:ext cx="9144000" cy="2263322"/>
+                <a:off x="-1" y="3407831"/>
+                <a:ext cx="9144000" cy="2058671"/>
               </a:xfrm>
               <a:blipFill>
-                <a:blip r:embed="rId2"/>
+                <a:blip r:embed="rId3"/>
                 <a:stretch>
-                  <a:fillRect t="-2695"/>
+                  <a:fillRect t="-2663" b="-3550"/>
                 </a:stretch>
               </a:blipFill>
             </p:spPr>
@@ -3695,26 +3822,232 @@
           <p:nvPr/>
         </p:nvPicPr>
         <p:blipFill>
-          <a:blip r:embed="rId3">
+          <a:blip r:embed="rId4">
             <a:extLst>
               <a:ext uri="{28A0092B-C50C-407E-A947-70E740481C1C}">
                 <a14:useLocalDpi xmlns:a14="http://schemas.microsoft.com/office/drawing/2010/main" val="0"/>
               </a:ext>
             </a:extLst>
           </a:blip>
-          <a:srcRect/>
-          <a:stretch/>
+          <a:stretch>
+            <a:fillRect/>
+          </a:stretch>
         </p:blipFill>
         <p:spPr>
           <a:xfrm>
-            <a:off x="0" y="2880178"/>
-            <a:ext cx="9144000" cy="1714500"/>
+            <a:off x="-1" y="1823707"/>
+            <a:ext cx="9144000" cy="1605293"/>
           </a:xfrm>
           <a:prstGeom prst="rect">
             <a:avLst/>
           </a:prstGeom>
         </p:spPr>
       </p:pic>
+      <p:sp>
+        <p:nvSpPr>
+          <p:cNvPr id="5" name="Rectangle 2">
+            <a:extLst>
+              <a:ext uri="{FF2B5EF4-FFF2-40B4-BE49-F238E27FC236}">
+                <a16:creationId xmlns:a16="http://schemas.microsoft.com/office/drawing/2014/main" id="{367A5B1F-BA90-463D-A4F0-5A84FE9D1A7D}"/>
+              </a:ext>
+            </a:extLst>
+          </p:cNvPr>
+          <p:cNvSpPr>
+            <a:spLocks noChangeArrowheads="1"/>
+          </p:cNvSpPr>
+          <p:nvPr/>
+        </p:nvSpPr>
+        <p:spPr bwMode="auto">
+          <a:xfrm>
+            <a:off x="-1" y="646115"/>
+            <a:ext cx="10584316" cy="0"/>
+          </a:xfrm>
+          <a:prstGeom prst="rect">
+            <a:avLst/>
+          </a:prstGeom>
+          <a:noFill/>
+          <a:ln>
+            <a:noFill/>
+          </a:ln>
+          <a:effectLst/>
+          <a:extLst>
+            <a:ext uri="{909E8E84-426E-40DD-AFC4-6F175D3DCCD1}">
+              <a14:hiddenFill xmlns:a14="http://schemas.microsoft.com/office/drawing/2010/main">
+                <a:solidFill>
+                  <a:schemeClr val="accent1"/>
+                </a:solidFill>
+              </a14:hiddenFill>
+            </a:ext>
+            <a:ext uri="{91240B29-F687-4F45-9708-019B960494DF}">
+              <a14:hiddenLine xmlns:a14="http://schemas.microsoft.com/office/drawing/2010/main" w="9525">
+                <a:solidFill>
+                  <a:schemeClr val="tx1"/>
+                </a:solidFill>
+                <a:miter lim="800000"/>
+                <a:headEnd/>
+                <a:tailEnd/>
+              </a14:hiddenLine>
+            </a:ext>
+            <a:ext uri="{AF507438-7753-43E0-B8FC-AC1667EBCBE1}">
+              <a14:hiddenEffects xmlns:a14="http://schemas.microsoft.com/office/drawing/2010/main">
+                <a:effectLst>
+                  <a:outerShdw dist="35921" dir="2700000" algn="ctr" rotWithShape="0">
+                    <a:schemeClr val="bg2"/>
+                  </a:outerShdw>
+                </a:effectLst>
+              </a14:hiddenEffects>
+            </a:ext>
+          </a:extLst>
+        </p:spPr>
+        <p:txBody>
+          <a:bodyPr vert="horz" wrap="square" lIns="91440" tIns="45720" rIns="91440" bIns="45720" numCol="1" anchor="ctr" anchorCtr="0" compatLnSpc="1">
+            <a:prstTxWarp prst="textNoShape">
+              <a:avLst/>
+            </a:prstTxWarp>
+            <a:spAutoFit/>
+          </a:bodyPr>
+          <a:lstStyle/>
+          <a:p>
+            <a:endParaRPr lang="ru-RU"/>
+          </a:p>
+        </p:txBody>
+      </p:sp>
+      <p:graphicFrame>
+        <p:nvGraphicFramePr>
+          <p:cNvPr id="6" name="Объект 5">
+            <a:extLst>
+              <a:ext uri="{FF2B5EF4-FFF2-40B4-BE49-F238E27FC236}">
+                <a16:creationId xmlns:a16="http://schemas.microsoft.com/office/drawing/2014/main" id="{9614B15B-65A2-4254-A24C-FBA930903B7E}"/>
+              </a:ext>
+            </a:extLst>
+          </p:cNvPr>
+          <p:cNvGraphicFramePr>
+            <a:graphicFrameLocks noChangeAspect="1"/>
+          </p:cNvGraphicFramePr>
+          <p:nvPr>
+            <p:extLst>
+              <p:ext uri="{D42A27DB-BD31-4B8C-83A1-F6EECF244321}">
+                <p14:modId xmlns:p14="http://schemas.microsoft.com/office/powerpoint/2010/main" val="3422880892"/>
+              </p:ext>
+            </p:extLst>
+          </p:nvPr>
+        </p:nvGraphicFramePr>
+        <p:xfrm>
+          <a:off x="1" y="654224"/>
+          <a:ext cx="9143999" cy="1136223"/>
+        </p:xfrm>
+        <a:graphic>
+          <a:graphicData uri="http://schemas.openxmlformats.org/presentationml/2006/ole">
+            <mc:AlternateContent xmlns:mc="http://schemas.openxmlformats.org/markup-compatibility/2006">
+              <mc:Choice xmlns:v="urn:schemas-microsoft-com:vml" Requires="v">
+                <p:oleObj spid="_x0000_s3079" name="CS ChemDraw Drawing" r:id="rId5" imgW="3916776" imgH="481493" progId="ChemDraw.Document.6.0">
+                  <p:embed/>
+                </p:oleObj>
+              </mc:Choice>
+              <mc:Fallback>
+                <p:oleObj name="CS ChemDraw Drawing" r:id="rId5" imgW="3916776" imgH="481493" progId="ChemDraw.Document.6.0">
+                  <p:embed/>
+                  <p:pic>
+                    <p:nvPicPr>
+                      <p:cNvPr id="0" name="Object 1"/>
+                      <p:cNvPicPr>
+                        <a:picLocks noChangeAspect="1" noChangeArrowheads="1"/>
+                      </p:cNvPicPr>
+                      <p:nvPr/>
+                    </p:nvPicPr>
+                    <p:blipFill>
+                      <a:blip r:embed="rId6">
+                        <a:extLst>
+                          <a:ext uri="{28A0092B-C50C-407E-A947-70E740481C1C}">
+                            <a14:useLocalDpi xmlns:a14="http://schemas.microsoft.com/office/drawing/2010/main" val="0"/>
+                          </a:ext>
+                        </a:extLst>
+                      </a:blip>
+                      <a:srcRect/>
+                      <a:stretch>
+                        <a:fillRect/>
+                      </a:stretch>
+                    </p:blipFill>
+                    <p:spPr bwMode="auto">
+                      <a:xfrm>
+                        <a:off x="1" y="654224"/>
+                        <a:ext cx="9143999" cy="1136223"/>
+                      </a:xfrm>
+                      <a:prstGeom prst="rect">
+                        <a:avLst/>
+                      </a:prstGeom>
+                      <a:noFill/>
+                    </p:spPr>
+                  </p:pic>
+                </p:oleObj>
+              </mc:Fallback>
+            </mc:AlternateContent>
+          </a:graphicData>
+        </a:graphic>
+      </p:graphicFrame>
+      <p:graphicFrame>
+        <p:nvGraphicFramePr>
+          <p:cNvPr id="7" name="Объект 6">
+            <a:extLst>
+              <a:ext uri="{FF2B5EF4-FFF2-40B4-BE49-F238E27FC236}">
+                <a16:creationId xmlns:a16="http://schemas.microsoft.com/office/drawing/2014/main" id="{77CB3C28-A49D-4BC8-9FB4-E0B5147822E4}"/>
+              </a:ext>
+            </a:extLst>
+          </p:cNvPr>
+          <p:cNvGraphicFramePr>
+            <a:graphicFrameLocks noChangeAspect="1"/>
+          </p:cNvGraphicFramePr>
+          <p:nvPr>
+            <p:extLst>
+              <p:ext uri="{D42A27DB-BD31-4B8C-83A1-F6EECF244321}">
+                <p14:modId xmlns:p14="http://schemas.microsoft.com/office/powerpoint/2010/main" val="867479469"/>
+              </p:ext>
+            </p:extLst>
+          </p:nvPr>
+        </p:nvGraphicFramePr>
+        <p:xfrm>
+          <a:off x="7262949" y="3789012"/>
+          <a:ext cx="1775958" cy="1230643"/>
+        </p:xfrm>
+        <a:graphic>
+          <a:graphicData uri="http://schemas.openxmlformats.org/presentationml/2006/ole">
+            <mc:AlternateContent xmlns:mc="http://schemas.openxmlformats.org/markup-compatibility/2006">
+              <mc:Choice xmlns:v="urn:schemas-microsoft-com:vml" Requires="v">
+                <p:oleObj spid="_x0000_s3080" name="CS ChemDraw Drawing" r:id="rId7" imgW="764694" imgH="530258" progId="ChemDraw.Document.6.0">
+                  <p:embed/>
+                </p:oleObj>
+              </mc:Choice>
+              <mc:Fallback>
+                <p:oleObj name="CS ChemDraw Drawing" r:id="rId7" imgW="764694" imgH="530258" progId="ChemDraw.Document.6.0">
+                  <p:embed/>
+                  <p:pic>
+                    <p:nvPicPr>
+                      <p:cNvPr id="0" name=""/>
+                      <p:cNvPicPr/>
+                      <p:nvPr/>
+                    </p:nvPicPr>
+                    <p:blipFill>
+                      <a:blip r:embed="rId8"/>
+                      <a:stretch>
+                        <a:fillRect/>
+                      </a:stretch>
+                    </p:blipFill>
+                    <p:spPr>
+                      <a:xfrm>
+                        <a:off x="7262949" y="3789012"/>
+                        <a:ext cx="1775958" cy="1230643"/>
+                      </a:xfrm>
+                      <a:prstGeom prst="rect">
+                        <a:avLst/>
+                      </a:prstGeom>
+                    </p:spPr>
+                  </p:pic>
+                </p:oleObj>
+              </mc:Fallback>
+            </mc:AlternateContent>
+          </a:graphicData>
+        </a:graphic>
+      </p:graphicFrame>
     </p:spTree>
     <p:extLst>
       <p:ext uri="{BB962C8B-B14F-4D97-AF65-F5344CB8AC3E}">
@@ -3795,12 +4128,14 @@
             </p:nvSpPr>
             <p:spPr>
               <a:xfrm>
-                <a:off x="0" y="3428999"/>
-                <a:ext cx="9126250" cy="2927351"/>
+                <a:off x="0" y="2125798"/>
+                <a:ext cx="4632960" cy="2927351"/>
               </a:xfrm>
             </p:spPr>
             <p:txBody>
-              <a:bodyPr/>
+              <a:bodyPr>
+                <a:normAutofit/>
+              </a:bodyPr>
               <a:lstStyle/>
               <a:p>
                 <a14:m>
@@ -3808,14 +4143,14 @@
                     <m:sSub>
                       <m:sSubPr>
                         <m:ctrlPr>
-                          <a:rPr lang="ru-RU" i="1" smtClean="0">
+                          <a:rPr lang="ru-RU" sz="2400" i="1" smtClean="0">
                             <a:latin typeface="Cambria Math" panose="02040503050406030204" pitchFamily="18" charset="0"/>
                           </a:rPr>
                         </m:ctrlPr>
                       </m:sSubPr>
                       <m:e>
                         <m:r>
-                          <a:rPr lang="ru-RU" b="0" i="1">
+                          <a:rPr lang="ru-RU" sz="2400" b="0" i="1">
                             <a:latin typeface="Cambria Math" panose="02040503050406030204" pitchFamily="18" charset="0"/>
                           </a:rPr>
                           <m:t>𝑘</m:t>
@@ -3823,7 +4158,7 @@
                       </m:e>
                       <m:sub>
                         <m:r>
-                          <a:rPr lang="en-US" b="0" i="1" smtClean="0">
+                          <a:rPr lang="en-US" sz="2400" b="0" i="1" smtClean="0">
                             <a:latin typeface="Cambria Math" panose="02040503050406030204" pitchFamily="18" charset="0"/>
                           </a:rPr>
                           <m:t>𝑞</m:t>
@@ -3831,7 +4166,7 @@
                       </m:sub>
                     </m:sSub>
                     <m:r>
-                      <a:rPr lang="ru-RU" b="0" i="1">
+                      <a:rPr lang="ru-RU" sz="2400" b="0" i="1">
                         <a:latin typeface="Cambria Math" panose="02040503050406030204" pitchFamily="18" charset="0"/>
                       </a:rPr>
                       <m:t>~</m:t>
@@ -3839,28 +4174,22 @@
                     <m:sSup>
                       <m:sSupPr>
                         <m:ctrlPr>
-                          <a:rPr lang="ru-RU" i="1">
+                          <a:rPr lang="ru-RU" sz="2400" i="1">
                             <a:latin typeface="Cambria Math" panose="02040503050406030204" pitchFamily="18" charset="0"/>
                           </a:rPr>
                         </m:ctrlPr>
                       </m:sSupPr>
                       <m:e>
                         <m:r>
-                          <a:rPr lang="ru-RU" b="0" i="1">
-                            <a:latin typeface="Cambria Math" panose="02040503050406030204" pitchFamily="18" charset="0"/>
-                          </a:rPr>
-                          <m:t> </m:t>
-                        </m:r>
-                        <m:r>
-                          <a:rPr lang="ru-RU" b="0" i="1">
-                            <a:latin typeface="Cambria Math" panose="02040503050406030204" pitchFamily="18" charset="0"/>
-                          </a:rPr>
-                          <m:t>10</m:t>
+                          <a:rPr lang="ru-RU" sz="2400" b="0" i="1">
+                            <a:latin typeface="Cambria Math" panose="02040503050406030204" pitchFamily="18" charset="0"/>
+                          </a:rPr>
+                          <m:t> 10</m:t>
                         </m:r>
                       </m:e>
                       <m:sup>
                         <m:r>
-                          <a:rPr lang="en-US" b="0" i="1" smtClean="0">
+                          <a:rPr lang="en-US" sz="2400" b="0" i="1" smtClean="0">
                             <a:latin typeface="Cambria Math" panose="02040503050406030204" pitchFamily="18" charset="0"/>
                           </a:rPr>
                           <m:t>5</m:t>
@@ -3868,7 +4197,7 @@
                       </m:sup>
                     </m:sSup>
                     <m:r>
-                      <a:rPr lang="ru-RU" b="0" i="1">
+                      <a:rPr lang="ru-RU" sz="2400" b="0" i="1">
                         <a:latin typeface="Cambria Math" panose="02040503050406030204" pitchFamily="18" charset="0"/>
                       </a:rPr>
                       <m:t> −</m:t>
@@ -3876,14 +4205,14 @@
                     <m:sSup>
                       <m:sSupPr>
                         <m:ctrlPr>
-                          <a:rPr lang="ru-RU" i="1">
+                          <a:rPr lang="ru-RU" sz="2400" i="1">
                             <a:latin typeface="Cambria Math" panose="02040503050406030204" pitchFamily="18" charset="0"/>
                           </a:rPr>
                         </m:ctrlPr>
                       </m:sSupPr>
                       <m:e>
                         <m:r>
-                          <a:rPr lang="ru-RU" b="0" i="1">
+                          <a:rPr lang="ru-RU" sz="2400" b="0" i="1">
                             <a:latin typeface="Cambria Math" panose="02040503050406030204" pitchFamily="18" charset="0"/>
                           </a:rPr>
                           <m:t>10</m:t>
@@ -3891,15 +4220,15 @@
                       </m:e>
                       <m:sup>
                         <m:r>
-                          <a:rPr lang="ru-RU" b="0" i="1">
-                            <a:latin typeface="Cambria Math" panose="02040503050406030204" pitchFamily="18" charset="0"/>
-                          </a:rPr>
-                          <m:t>9</m:t>
+                          <a:rPr lang="en-US" sz="2400" b="0" i="1" smtClean="0">
+                            <a:latin typeface="Cambria Math" panose="02040503050406030204" pitchFamily="18" charset="0"/>
+                          </a:rPr>
+                          <m:t>10</m:t>
                         </m:r>
                       </m:sup>
                     </m:sSup>
                     <m:r>
-                      <a:rPr lang="ru-RU" b="0" i="1">
+                      <a:rPr lang="ru-RU" sz="2400" b="0" i="1">
                         <a:latin typeface="Cambria Math" panose="02040503050406030204" pitchFamily="18" charset="0"/>
                       </a:rPr>
                       <m:t> </m:t>
@@ -3907,14 +4236,14 @@
                     <m:sSup>
                       <m:sSupPr>
                         <m:ctrlPr>
-                          <a:rPr lang="ru-RU" i="1">
+                          <a:rPr lang="ru-RU" sz="2400" i="1">
                             <a:latin typeface="Cambria Math" panose="02040503050406030204" pitchFamily="18" charset="0"/>
                           </a:rPr>
                         </m:ctrlPr>
                       </m:sSupPr>
                       <m:e>
                         <m:r>
-                          <a:rPr lang="ru-RU" b="0" i="1">
+                          <a:rPr lang="ru-RU" sz="2400" b="0" i="1">
                             <a:latin typeface="Cambria Math" panose="02040503050406030204" pitchFamily="18" charset="0"/>
                           </a:rPr>
                           <m:t>с</m:t>
@@ -3922,7 +4251,7 @@
                       </m:e>
                       <m:sup>
                         <m:r>
-                          <a:rPr lang="ru-RU" b="0" i="1">
+                          <a:rPr lang="ru-RU" sz="2400" b="0" i="1">
                             <a:latin typeface="Cambria Math" panose="02040503050406030204" pitchFamily="18" charset="0"/>
                           </a:rPr>
                           <m:t>−1</m:t>
@@ -3932,44 +4261,50 @@
                   </m:oMath>
                 </a14:m>
                 <a:r>
-                  <a:rPr lang="en-US" i="1" dirty="0"/>
+                  <a:rPr lang="en-US" sz="2400" i="1" dirty="0"/>
                   <a:t> - </a:t>
                 </a:r>
                 <a:r>
-                  <a:rPr lang="ru-RU" i="1" dirty="0" err="1"/>
-                  <a:t>контанта</a:t>
-                </a:r>
-                <a:r>
-                  <a:rPr lang="ru-RU" i="1" dirty="0"/>
-                  <a:t> восстановления</a:t>
+                  <a:rPr lang="ru-RU" sz="2400" i="1" dirty="0"/>
+                  <a:t>константа восстановления</a:t>
                 </a:r>
               </a:p>
               <a:p>
                 <a14:m>
                   <m:oMath xmlns:m="http://schemas.openxmlformats.org/officeDocument/2006/math">
                     <m:r>
-                      <a:rPr lang="en-US" b="0" i="1"/>
+                      <a:rPr lang="en-US" sz="2400" b="0" i="1">
+                        <a:latin typeface="Cambria Math" panose="02040503050406030204" pitchFamily="18" charset="0"/>
+                      </a:rPr>
                       <m:t>𝐾</m:t>
                     </m:r>
                     <m:r>
-                      <a:rPr lang="ru-RU" b="0" i="1"/>
+                      <a:rPr lang="ru-RU" sz="2400" b="0" i="1">
+                        <a:latin typeface="Cambria Math" panose="02040503050406030204" pitchFamily="18" charset="0"/>
+                      </a:rPr>
                       <m:t>~2∗</m:t>
                     </m:r>
                     <m:sSup>
                       <m:sSupPr>
                         <m:ctrlPr>
-                          <a:rPr lang="ru-RU" i="1"/>
+                          <a:rPr lang="ru-RU" sz="2400" i="1">
+                            <a:latin typeface="Cambria Math" panose="02040503050406030204" pitchFamily="18" charset="0"/>
+                          </a:rPr>
                         </m:ctrlPr>
                       </m:sSupPr>
                       <m:e>
                         <m:r>
-                          <a:rPr lang="ru-RU" b="0" i="1"/>
+                          <a:rPr lang="ru-RU" sz="2400" b="0" i="1">
+                            <a:latin typeface="Cambria Math" panose="02040503050406030204" pitchFamily="18" charset="0"/>
+                          </a:rPr>
                           <m:t>10</m:t>
                         </m:r>
                       </m:e>
                       <m:sup>
                         <m:r>
-                          <a:rPr lang="ru-RU" b="0" i="1"/>
+                          <a:rPr lang="ru-RU" sz="2400" b="0" i="1">
+                            <a:latin typeface="Cambria Math" panose="02040503050406030204" pitchFamily="18" charset="0"/>
+                          </a:rPr>
                           <m:t>−6</m:t>
                         </m:r>
                       </m:sup>
@@ -3977,7 +4312,7 @@
                   </m:oMath>
                 </a14:m>
                 <a:r>
-                  <a:rPr lang="ru-RU" i="1" dirty="0"/>
+                  <a:rPr lang="ru-RU" sz="2400" i="1" dirty="0"/>
                   <a:t> - константа равновесия</a:t>
                 </a:r>
               </a:p>
@@ -4003,13 +4338,13 @@
             </p:nvSpPr>
             <p:spPr>
               <a:xfrm>
-                <a:off x="0" y="3428999"/>
-                <a:ext cx="9126250" cy="2927351"/>
+                <a:off x="0" y="2125798"/>
+                <a:ext cx="4632960" cy="2927351"/>
               </a:xfrm>
               <a:blipFill>
                 <a:blip r:embed="rId3"/>
                 <a:stretch>
-                  <a:fillRect t="-2495"/>
+                  <a:fillRect l="-1974" t="-2083" r="-1974"/>
                 </a:stretch>
               </a:blipFill>
             </p:spPr>
@@ -4125,7 +4460,7 @@
           <a:graphicData uri="http://schemas.openxmlformats.org/presentationml/2006/ole">
             <mc:AlternateContent xmlns:mc="http://schemas.openxmlformats.org/markup-compatibility/2006">
               <mc:Choice xmlns:v="urn:schemas-microsoft-com:vml" Requires="v">
-                <p:oleObj spid="_x0000_s2052" name="CS ChemDraw Drawing" r:id="rId4" imgW="4681728" imgH="522641" progId="ChemDraw.Document.6.0">
+                <p:oleObj spid="_x0000_s2056" name="CS ChemDraw Drawing" r:id="rId4" imgW="4681728" imgH="522641" progId="ChemDraw.Document.6.0">
                   <p:embed/>
                 </p:oleObj>
               </mc:Choice>
@@ -4170,6 +4505,156 @@
           </a:graphicData>
         </a:graphic>
       </p:graphicFrame>
+      <p:pic>
+        <p:nvPicPr>
+          <p:cNvPr id="8" name="Рисунок 7">
+            <a:extLst>
+              <a:ext uri="{FF2B5EF4-FFF2-40B4-BE49-F238E27FC236}">
+                <a16:creationId xmlns:a16="http://schemas.microsoft.com/office/drawing/2014/main" id="{C76821B1-2429-4A0D-9019-703AFDB75E10}"/>
+              </a:ext>
+            </a:extLst>
+          </p:cNvPr>
+          <p:cNvPicPr>
+            <a:picLocks noChangeAspect="1"/>
+          </p:cNvPicPr>
+          <p:nvPr/>
+        </p:nvPicPr>
+        <p:blipFill>
+          <a:blip r:embed="rId6">
+            <a:extLst>
+              <a:ext uri="{28A0092B-C50C-407E-A947-70E740481C1C}">
+                <a14:useLocalDpi xmlns:a14="http://schemas.microsoft.com/office/drawing/2010/main" val="0"/>
+              </a:ext>
+            </a:extLst>
+          </a:blip>
+          <a:stretch>
+            <a:fillRect/>
+          </a:stretch>
+        </p:blipFill>
+        <p:spPr>
+          <a:xfrm>
+            <a:off x="6235337" y="1802674"/>
+            <a:ext cx="2908663" cy="5043403"/>
+          </a:xfrm>
+          <a:prstGeom prst="rect">
+            <a:avLst/>
+          </a:prstGeom>
+        </p:spPr>
+      </p:pic>
+      <p:sp>
+        <p:nvSpPr>
+          <p:cNvPr id="9" name="Надпись 88">
+            <a:extLst>
+              <a:ext uri="{FF2B5EF4-FFF2-40B4-BE49-F238E27FC236}">
+                <a16:creationId xmlns:a16="http://schemas.microsoft.com/office/drawing/2014/main" id="{1F782A25-BA23-4D38-AB60-D17D1B243527}"/>
+              </a:ext>
+            </a:extLst>
+          </p:cNvPr>
+          <p:cNvSpPr txBox="1"/>
+          <p:nvPr/>
+        </p:nvSpPr>
+        <p:spPr>
+          <a:xfrm>
+            <a:off x="1541417" y="5629653"/>
+            <a:ext cx="4759507" cy="1216424"/>
+          </a:xfrm>
+          <a:prstGeom prst="rect">
+            <a:avLst/>
+          </a:prstGeom>
+          <a:solidFill>
+            <a:prstClr val="white"/>
+          </a:solidFill>
+          <a:ln>
+            <a:noFill/>
+          </a:ln>
+        </p:spPr>
+        <p:txBody>
+          <a:bodyPr rot="0" spcFirstLastPara="0" vert="horz" wrap="square" lIns="0" tIns="0" rIns="0" bIns="0" numCol="1" spcCol="0" rtlCol="0" fromWordArt="0" anchor="t" anchorCtr="0" forceAA="0" compatLnSpc="1">
+            <a:prstTxWarp prst="textNoShape">
+              <a:avLst/>
+            </a:prstTxWarp>
+            <a:noAutofit/>
+          </a:bodyPr>
+          <a:lstStyle/>
+          <a:p>
+            <a:pPr algn="r">
+              <a:lnSpc>
+                <a:spcPct val="150000"/>
+              </a:lnSpc>
+              <a:spcAft>
+                <a:spcPts val="0"/>
+              </a:spcAft>
+            </a:pPr>
+            <a:r>
+              <a:rPr lang="ru-RU" sz="1600" i="1" dirty="0">
+                <a:effectLst/>
+                <a:ea typeface="Times New Roman" panose="02020603050405020304" pitchFamily="18" charset="0"/>
+              </a:rPr>
+              <a:t>2,6-дифенилбензохинона-1,4 (2,3 эВ) в бензоле (1) </a:t>
+            </a:r>
+          </a:p>
+          <a:p>
+            <a:pPr algn="r">
+              <a:lnSpc>
+                <a:spcPct val="150000"/>
+              </a:lnSpc>
+              <a:spcAft>
+                <a:spcPts val="0"/>
+              </a:spcAft>
+            </a:pPr>
+            <a:r>
+              <a:rPr lang="ru-RU" sz="1600" i="1" dirty="0" err="1">
+                <a:effectLst/>
+                <a:ea typeface="Times New Roman" panose="02020603050405020304" pitchFamily="18" charset="0"/>
+              </a:rPr>
+              <a:t>антантрона</a:t>
+            </a:r>
+            <a:r>
+              <a:rPr lang="ru-RU" sz="1600" i="1" dirty="0">
+                <a:effectLst/>
+                <a:ea typeface="Times New Roman" panose="02020603050405020304" pitchFamily="18" charset="0"/>
+              </a:rPr>
+              <a:t> (1,6 эВ) в бензоле (2) </a:t>
+            </a:r>
+          </a:p>
+          <a:p>
+            <a:pPr algn="r">
+              <a:lnSpc>
+                <a:spcPct val="150000"/>
+              </a:lnSpc>
+              <a:spcAft>
+                <a:spcPts val="0"/>
+              </a:spcAft>
+            </a:pPr>
+            <a:r>
+              <a:rPr lang="ru-RU" sz="1600" i="1" dirty="0">
+                <a:effectLst/>
+                <a:ea typeface="Times New Roman" panose="02020603050405020304" pitchFamily="18" charset="0"/>
+              </a:rPr>
+              <a:t> </a:t>
+            </a:r>
+            <a:r>
+              <a:rPr lang="ru-RU" sz="1600" i="1" dirty="0" err="1">
+                <a:ea typeface="Times New Roman" panose="02020603050405020304" pitchFamily="18" charset="0"/>
+              </a:rPr>
+              <a:t>антантрона</a:t>
+            </a:r>
+            <a:r>
+              <a:rPr lang="ru-RU" sz="1600" i="1" dirty="0">
+                <a:ea typeface="Times New Roman" panose="02020603050405020304" pitchFamily="18" charset="0"/>
+              </a:rPr>
+              <a:t> в </a:t>
+            </a:r>
+            <a:r>
+              <a:rPr lang="ru-RU" sz="1600" i="1" dirty="0">
+                <a:effectLst/>
+                <a:ea typeface="Times New Roman" panose="02020603050405020304" pitchFamily="18" charset="0"/>
+              </a:rPr>
+              <a:t>ацетонитриле (3)</a:t>
+            </a:r>
+          </a:p>
+        </p:txBody>
+      </p:sp>
     </p:spTree>
     <p:extLst>
       <p:ext uri="{BB962C8B-B14F-4D97-AF65-F5344CB8AC3E}">

--- a/Презентация.pptx
+++ b/Презентация.pptx
@@ -292,7 +292,7 @@
           <a:p>
             <a:fld id="{518245B6-B359-4415-AF27-45B23E446E39}" type="datetimeFigureOut">
               <a:rPr lang="ru-RU" smtClean="0"/>
-              <a:t>28.05.2023</a:t>
+              <a:t>29.05.2023</a:t>
             </a:fld>
             <a:endParaRPr lang="ru-RU"/>
           </a:p>
@@ -469,7 +469,7 @@
           <a:p>
             <a:fld id="{C6EA2570-70E6-4F35-8EFA-084ECBFD8BF4}" type="datetimeFigureOut">
               <a:rPr lang="ru-RU" smtClean="0"/>
-              <a:t>28.05.2023</a:t>
+              <a:t>29.05.2023</a:t>
             </a:fld>
             <a:endParaRPr lang="ru-RU"/>
           </a:p>
@@ -813,7 +813,7 @@
           <a:p>
             <a:fld id="{BA0C5CEE-B912-440D-8024-19BBB5E5B1DB}" type="datetimeFigureOut">
               <a:rPr lang="ru-RU" smtClean="0"/>
-              <a:t>28.05.2023</a:t>
+              <a:t>29.05.2023</a:t>
             </a:fld>
             <a:endParaRPr lang="ru-RU" dirty="0"/>
           </a:p>
@@ -988,7 +988,7 @@
           <a:p>
             <a:fld id="{BA0C5CEE-B912-440D-8024-19BBB5E5B1DB}" type="datetimeFigureOut">
               <a:rPr lang="ru-RU" smtClean="0"/>
-              <a:t>28.05.2023</a:t>
+              <a:t>29.05.2023</a:t>
             </a:fld>
             <a:endParaRPr lang="ru-RU" dirty="0"/>
           </a:p>
@@ -1180,7 +1180,7 @@
           <a:p>
             <a:fld id="{BA0C5CEE-B912-440D-8024-19BBB5E5B1DB}" type="datetimeFigureOut">
               <a:rPr lang="ru-RU" smtClean="0"/>
-              <a:t>28.05.2023</a:t>
+              <a:t>29.05.2023</a:t>
             </a:fld>
             <a:endParaRPr lang="ru-RU" dirty="0"/>
           </a:p>
@@ -1424,7 +1424,7 @@
           <a:p>
             <a:fld id="{BA0C5CEE-B912-440D-8024-19BBB5E5B1DB}" type="datetimeFigureOut">
               <a:rPr lang="ru-RU" smtClean="0"/>
-              <a:t>28.05.2023</a:t>
+              <a:t>29.05.2023</a:t>
             </a:fld>
             <a:endParaRPr lang="ru-RU" dirty="0"/>
           </a:p>
@@ -1637,7 +1637,7 @@
           <a:p>
             <a:fld id="{BA0C5CEE-B912-440D-8024-19BBB5E5B1DB}" type="datetimeFigureOut">
               <a:rPr lang="ru-RU" smtClean="0"/>
-              <a:t>28.05.2023</a:t>
+              <a:t>29.05.2023</a:t>
             </a:fld>
             <a:endParaRPr lang="ru-RU" dirty="0"/>
           </a:p>
@@ -13229,8 +13229,8 @@
           </a:p>
         </p:txBody>
       </p:sp>
-      <mc:AlternateContent xmlns:mc="http://schemas.openxmlformats.org/markup-compatibility/2006">
-        <mc:Choice xmlns:a14="http://schemas.microsoft.com/office/drawing/2010/main" Requires="a14">
+      <mc:AlternateContent xmlns:mc="http://schemas.openxmlformats.org/markup-compatibility/2006" xmlns:a14="http://schemas.microsoft.com/office/drawing/2010/main">
+        <mc:Choice Requires="a14">
           <p:sp>
             <p:nvSpPr>
               <p:cNvPr id="4" name="TextBox 3">
@@ -13391,7 +13391,7 @@
             </p:txBody>
           </p:sp>
         </mc:Choice>
-        <mc:Fallback>
+        <mc:Fallback xmlns="">
           <p:sp>
             <p:nvSpPr>
               <p:cNvPr id="4" name="TextBox 3">
@@ -13631,8 +13631,8 @@
           </a:prstGeom>
         </p:spPr>
       </p:pic>
-      <mc:AlternateContent xmlns:mc="http://schemas.openxmlformats.org/markup-compatibility/2006">
-        <mc:Choice xmlns:a14="http://schemas.microsoft.com/office/drawing/2010/main" Requires="a14">
+      <mc:AlternateContent xmlns:mc="http://schemas.openxmlformats.org/markup-compatibility/2006" xmlns:a14="http://schemas.microsoft.com/office/drawing/2010/main">
+        <mc:Choice Requires="a14">
           <p:sp>
             <p:nvSpPr>
               <p:cNvPr id="5" name="Прямоугольник 4">
@@ -13780,7 +13780,7 @@
             </p:txBody>
           </p:sp>
         </mc:Choice>
-        <mc:Fallback>
+        <mc:Fallback xmlns="">
           <p:sp>
             <p:nvSpPr>
               <p:cNvPr id="5" name="Прямоугольник 4">
@@ -13913,8 +13913,8 @@
           </a:fontRef>
         </p:style>
       </p:cxnSp>
-      <mc:AlternateContent xmlns:mc="http://schemas.openxmlformats.org/markup-compatibility/2006">
-        <mc:Choice xmlns:a14="http://schemas.microsoft.com/office/drawing/2010/main" Requires="a14">
+      <mc:AlternateContent xmlns:mc="http://schemas.openxmlformats.org/markup-compatibility/2006" xmlns:a14="http://schemas.microsoft.com/office/drawing/2010/main">
+        <mc:Choice Requires="a14">
           <p:sp>
             <p:nvSpPr>
               <p:cNvPr id="12" name="Прямоугольник 11">
@@ -14049,7 +14049,7 @@
             </p:txBody>
           </p:sp>
         </mc:Choice>
-        <mc:Fallback>
+        <mc:Fallback xmlns="">
           <p:sp>
             <p:nvSpPr>
               <p:cNvPr id="12" name="Прямоугольник 11">
@@ -14094,8 +14094,8 @@
           </p:sp>
         </mc:Fallback>
       </mc:AlternateContent>
-      <mc:AlternateContent xmlns:mc="http://schemas.openxmlformats.org/markup-compatibility/2006">
-        <mc:Choice xmlns:a14="http://schemas.microsoft.com/office/drawing/2010/main" Requires="a14">
+      <mc:AlternateContent xmlns:mc="http://schemas.openxmlformats.org/markup-compatibility/2006" xmlns:a14="http://schemas.microsoft.com/office/drawing/2010/main">
+        <mc:Choice Requires="a14">
           <p:sp>
             <p:nvSpPr>
               <p:cNvPr id="15" name="Прямоугольник 14">
@@ -14175,7 +14175,7 @@
             </p:txBody>
           </p:sp>
         </mc:Choice>
-        <mc:Fallback>
+        <mc:Fallback xmlns="">
           <p:sp>
             <p:nvSpPr>
               <p:cNvPr id="15" name="Прямоугольник 14">
@@ -14452,7 +14452,7 @@
           <a:graphicData uri="http://schemas.openxmlformats.org/presentationml/2006/ole">
             <mc:AlternateContent xmlns:mc="http://schemas.openxmlformats.org/markup-compatibility/2006">
               <mc:Choice xmlns:v="urn:schemas-microsoft-com:vml" Requires="v">
-                <p:oleObj spid="_x0000_s1048" name="CS ChemDraw Drawing" r:id="rId4" imgW="3916776" imgH="481493" progId="ChemDraw.Document.6.0">
+                <p:oleObj spid="_x0000_s1051" name="CS ChemDraw Drawing" r:id="rId4" imgW="3916776" imgH="481493" progId="ChemDraw.Document.6.0">
                   <p:embed/>
                 </p:oleObj>
               </mc:Choice>
@@ -14503,8 +14503,8 @@
           </a:graphicData>
         </a:graphic>
       </p:graphicFrame>
-      <mc:AlternateContent xmlns:mc="http://schemas.openxmlformats.org/markup-compatibility/2006">
-        <mc:Choice xmlns:a14="http://schemas.microsoft.com/office/drawing/2010/main" Requires="a14">
+      <mc:AlternateContent xmlns:mc="http://schemas.openxmlformats.org/markup-compatibility/2006" xmlns:a14="http://schemas.microsoft.com/office/drawing/2010/main">
+        <mc:Choice Requires="a14">
           <p:sp>
             <p:nvSpPr>
               <p:cNvPr id="3" name="Объект 2">
@@ -15251,7 +15251,7 @@
             </p:txBody>
           </p:sp>
         </mc:Choice>
-        <mc:Fallback>
+        <mc:Fallback xmlns="">
           <p:sp>
             <p:nvSpPr>
               <p:cNvPr id="3" name="Объект 2">
@@ -15295,8 +15295,8 @@
           </p:sp>
         </mc:Fallback>
       </mc:AlternateContent>
-      <mc:AlternateContent xmlns:mc="http://schemas.openxmlformats.org/markup-compatibility/2006">
-        <mc:Choice xmlns:a14="http://schemas.microsoft.com/office/drawing/2010/main" Requires="a14">
+      <mc:AlternateContent xmlns:mc="http://schemas.openxmlformats.org/markup-compatibility/2006" xmlns:a14="http://schemas.microsoft.com/office/drawing/2010/main">
+        <mc:Choice Requires="a14">
           <p:sp>
             <p:nvSpPr>
               <p:cNvPr id="8" name="Объект 5">
@@ -15838,7 +15838,7 @@
             </p:txBody>
           </p:sp>
         </mc:Choice>
-        <mc:Fallback>
+        <mc:Fallback xmlns="">
           <p:sp>
             <p:nvSpPr>
               <p:cNvPr id="8" name="Объект 5">
@@ -15980,7 +15980,7 @@
           <a:graphicData uri="http://schemas.openxmlformats.org/presentationml/2006/ole">
             <mc:AlternateContent xmlns:mc="http://schemas.openxmlformats.org/markup-compatibility/2006">
               <mc:Choice xmlns:v="urn:schemas-microsoft-com:vml" Requires="v">
-                <p:oleObj spid="_x0000_s1049" name="CS ChemDraw Drawing" r:id="rId8" imgW="4753500" imgH="521106" progId="ChemDraw.Document.6.0">
+                <p:oleObj spid="_x0000_s1052" name="CS ChemDraw Drawing" r:id="rId8" imgW="4753500" imgH="521106" progId="ChemDraw.Document.6.0">
                   <p:embed/>
                 </p:oleObj>
               </mc:Choice>
@@ -16107,7 +16107,7 @@
           <a:graphicData uri="http://schemas.openxmlformats.org/presentationml/2006/ole">
             <mc:AlternateContent xmlns:mc="http://schemas.openxmlformats.org/markup-compatibility/2006">
               <mc:Choice xmlns:v="urn:schemas-microsoft-com:vml" Requires="v">
-                <p:oleObj spid="_x0000_s1050" name="CS ChemDraw Drawing" r:id="rId10" imgW="713117" imgH="478422" progId="ChemDraw.Document.6.0">
+                <p:oleObj spid="_x0000_s1053" name="CS ChemDraw Drawing" r:id="rId10" imgW="713117" imgH="478422" progId="ChemDraw.Document.6.0">
                   <p:embed/>
                 </p:oleObj>
               </mc:Choice>
@@ -16207,8 +16207,8 @@
           </a:p>
         </p:txBody>
       </p:sp>
-      <mc:AlternateContent xmlns:mc="http://schemas.openxmlformats.org/markup-compatibility/2006">
-        <mc:Choice xmlns:a14="http://schemas.microsoft.com/office/drawing/2010/main" Requires="a14">
+      <mc:AlternateContent xmlns:mc="http://schemas.openxmlformats.org/markup-compatibility/2006" xmlns:a14="http://schemas.microsoft.com/office/drawing/2010/main">
+        <mc:Choice Requires="a14">
           <p:sp>
             <p:nvSpPr>
               <p:cNvPr id="3" name="Объект 2">
@@ -16337,7 +16337,7 @@
             </p:txBody>
           </p:sp>
         </mc:Choice>
-        <mc:Fallback>
+        <mc:Fallback xmlns="">
           <p:sp>
             <p:nvSpPr>
               <p:cNvPr id="3" name="Объект 2">
@@ -16478,7 +16478,7 @@
           <a:graphicData uri="http://schemas.openxmlformats.org/presentationml/2006/ole">
             <mc:AlternateContent xmlns:mc="http://schemas.openxmlformats.org/markup-compatibility/2006">
               <mc:Choice xmlns:v="urn:schemas-microsoft-com:vml" Requires="v">
-                <p:oleObj spid="_x0000_s3094" name="CS ChemDraw Drawing" r:id="rId4" imgW="3640731" imgH="486099" progId="ChemDraw.Document.6.0">
+                <p:oleObj spid="_x0000_s3096" name="CS ChemDraw Drawing" r:id="rId4" imgW="3640731" imgH="486099" progId="ChemDraw.Document.6.0">
                   <p:embed/>
                 </p:oleObj>
               </mc:Choice>
@@ -16523,8 +16523,8 @@
           </a:graphicData>
         </a:graphic>
       </p:graphicFrame>
-      <mc:AlternateContent xmlns:mc="http://schemas.openxmlformats.org/markup-compatibility/2006">
-        <mc:Choice xmlns:a14="http://schemas.microsoft.com/office/drawing/2010/main" Requires="a14">
+      <mc:AlternateContent xmlns:mc="http://schemas.openxmlformats.org/markup-compatibility/2006" xmlns:a14="http://schemas.microsoft.com/office/drawing/2010/main">
+        <mc:Choice Requires="a14">
           <p:sp>
             <p:nvSpPr>
               <p:cNvPr id="7" name="Объект 2">
@@ -16864,7 +16864,7 @@
             </p:txBody>
           </p:sp>
         </mc:Choice>
-        <mc:Fallback>
+        <mc:Fallback xmlns="">
           <p:sp>
             <p:nvSpPr>
               <p:cNvPr id="7" name="Объект 2">
@@ -17006,7 +17006,7 @@
           <a:graphicData uri="http://schemas.openxmlformats.org/presentationml/2006/ole">
             <mc:AlternateContent xmlns:mc="http://schemas.openxmlformats.org/markup-compatibility/2006">
               <mc:Choice xmlns:v="urn:schemas-microsoft-com:vml" Requires="v">
-                <p:oleObj spid="_x0000_s3095" name="CS ChemDraw Drawing" r:id="rId7" imgW="5824555" imgH="662667" progId="ChemDraw.Document.6.0">
+                <p:oleObj spid="_x0000_s3097" name="CS ChemDraw Drawing" r:id="rId7" imgW="5824555" imgH="662667" progId="ChemDraw.Document.6.0">
                   <p:embed/>
                 </p:oleObj>
               </mc:Choice>
@@ -17524,7 +17524,7 @@
           <a:graphicData uri="http://schemas.openxmlformats.org/presentationml/2006/ole">
             <mc:AlternateContent xmlns:mc="http://schemas.openxmlformats.org/markup-compatibility/2006">
               <mc:Choice xmlns:v="urn:schemas-microsoft-com:vml" Requires="v">
-                <p:oleObj spid="_x0000_s5132" name="CS ChemDraw Drawing" r:id="rId4" imgW="4454451" imgH="2689667" progId="ChemDraw.Document.6.0">
+                <p:oleObj spid="_x0000_s5133" name="CS ChemDraw Drawing" r:id="rId4" imgW="4454451" imgH="2689667" progId="ChemDraw.Document.6.0">
                   <p:embed/>
                 </p:oleObj>
               </mc:Choice>
@@ -17649,7 +17649,7 @@
           </p:cNvPicPr>
           <p:nvPr/>
         </p:nvPicPr>
-        <p:blipFill>
+        <p:blipFill rotWithShape="1">
           <a:blip r:embed="rId2">
             <a:extLst>
               <a:ext uri="{28A0092B-C50C-407E-A947-70E740481C1C}">
@@ -17657,21 +17657,21 @@
               </a:ext>
             </a:extLst>
           </a:blip>
-          <a:srcRect/>
+          <a:srcRect r="13405"/>
           <a:stretch/>
         </p:blipFill>
         <p:spPr>
           <a:xfrm>
-            <a:off x="-1" y="630809"/>
-            <a:ext cx="9118462" cy="3083571"/>
+            <a:off x="0" y="501651"/>
+            <a:ext cx="9144000" cy="3602941"/>
           </a:xfrm>
           <a:prstGeom prst="rect">
             <a:avLst/>
           </a:prstGeom>
         </p:spPr>
       </p:pic>
-      <mc:AlternateContent xmlns:mc="http://schemas.openxmlformats.org/markup-compatibility/2006" xmlns:a14="http://schemas.microsoft.com/office/drawing/2010/main">
-        <mc:Choice Requires="a14">
+      <mc:AlternateContent xmlns:mc="http://schemas.openxmlformats.org/markup-compatibility/2006">
+        <mc:Choice xmlns:a14="http://schemas.microsoft.com/office/drawing/2010/main" Requires="a14">
           <p:graphicFrame>
             <p:nvGraphicFramePr>
               <p:cNvPr id="7" name="Таблица 7">
@@ -17687,14 +17687,14 @@
               <p:nvPr>
                 <p:extLst>
                   <p:ext uri="{D42A27DB-BD31-4B8C-83A1-F6EECF244321}">
-                    <p14:modId xmlns:p14="http://schemas.microsoft.com/office/powerpoint/2010/main" val="1663636496"/>
+                    <p14:modId xmlns:p14="http://schemas.microsoft.com/office/powerpoint/2010/main" val="829675939"/>
                   </p:ext>
                 </p:extLst>
               </p:nvPr>
             </p:nvGraphicFramePr>
             <p:xfrm>
-              <a:off x="101600" y="3892843"/>
-              <a:ext cx="8869338" cy="2749868"/>
+              <a:off x="101600" y="4104592"/>
+              <a:ext cx="8869338" cy="2753408"/>
             </p:xfrm>
             <a:graphic>
               <a:graphicData uri="http://schemas.openxmlformats.org/drawingml/2006/table">
@@ -17725,7 +17725,7 @@
                       </a:extLst>
                     </a:gridCol>
                   </a:tblGrid>
-                  <a:tr h="2369007">
+                  <a:tr h="2753408">
                     <a:tc>
                       <a:txBody>
                         <a:bodyPr/>
@@ -20623,7 +20623,7 @@
             </a:graphic>
           </p:graphicFrame>
         </mc:Choice>
-        <mc:Fallback xmlns="">
+        <mc:Fallback>
           <p:graphicFrame>
             <p:nvGraphicFramePr>
               <p:cNvPr id="7" name="Таблица 7">
@@ -20639,14 +20639,14 @@
               <p:nvPr>
                 <p:extLst>
                   <p:ext uri="{D42A27DB-BD31-4B8C-83A1-F6EECF244321}">
-                    <p14:modId xmlns:p14="http://schemas.microsoft.com/office/powerpoint/2010/main" val="1663636496"/>
+                    <p14:modId xmlns:p14="http://schemas.microsoft.com/office/powerpoint/2010/main" val="829675939"/>
                   </p:ext>
                 </p:extLst>
               </p:nvPr>
             </p:nvGraphicFramePr>
             <p:xfrm>
-              <a:off x="101600" y="3892843"/>
-              <a:ext cx="8869338" cy="2813050"/>
+              <a:off x="101600" y="4104592"/>
+              <a:ext cx="8869338" cy="2753408"/>
             </p:xfrm>
             <a:graphic>
               <a:graphicData uri="http://schemas.openxmlformats.org/drawingml/2006/table">
@@ -20677,7 +20677,7 @@
                       </a:extLst>
                     </a:gridCol>
                   </a:tblGrid>
-                  <a:tr h="2813050">
+                  <a:tr h="2753408">
                     <a:tc>
                       <a:txBody>
                         <a:bodyPr/>
@@ -20726,7 +20726,7 @@
                         <a:blipFill>
                           <a:blip r:embed="rId3"/>
                           <a:stretch>
-                            <a:fillRect r="-168140"/>
+                            <a:fillRect r="-168140" b="-2212"/>
                           </a:stretch>
                         </a:blipFill>
                       </a:tcPr>
@@ -20779,7 +20779,7 @@
                         <a:blipFill>
                           <a:blip r:embed="rId3"/>
                           <a:stretch>
-                            <a:fillRect l="-109256" r="-83702"/>
+                            <a:fillRect l="-109256" r="-83702" b="-2212"/>
                           </a:stretch>
                         </a:blipFill>
                       </a:tcPr>
@@ -20832,7 +20832,7 @@
                         <a:blipFill>
                           <a:blip r:embed="rId3"/>
                           <a:stretch>
-                            <a:fillRect l="-250000"/>
+                            <a:fillRect l="-250000" b="-2212"/>
                           </a:stretch>
                         </a:blipFill>
                       </a:tcPr>
@@ -20849,6 +20849,66 @@
           </p:graphicFrame>
         </mc:Fallback>
       </mc:AlternateContent>
+      <p:sp>
+        <p:nvSpPr>
+          <p:cNvPr id="6" name="TextBox 5">
+            <a:extLst>
+              <a:ext uri="{FF2B5EF4-FFF2-40B4-BE49-F238E27FC236}">
+                <a16:creationId xmlns:a16="http://schemas.microsoft.com/office/drawing/2014/main" id="{DC90BEE4-1600-48C0-B066-601B5178D2C7}"/>
+              </a:ext>
+            </a:extLst>
+          </p:cNvPr>
+          <p:cNvSpPr txBox="1"/>
+          <p:nvPr/>
+        </p:nvSpPr>
+        <p:spPr>
+          <a:xfrm>
+            <a:off x="7886700" y="908858"/>
+            <a:ext cx="1442036" cy="646331"/>
+          </a:xfrm>
+          <a:prstGeom prst="rect">
+            <a:avLst/>
+          </a:prstGeom>
+          <a:noFill/>
+        </p:spPr>
+        <p:txBody>
+          <a:bodyPr wrap="square" rtlCol="0">
+            <a:spAutoFit/>
+          </a:bodyPr>
+          <a:lstStyle/>
+          <a:p>
+            <a:pPr algn="ctr"/>
+            <a:r>
+              <a:rPr lang="en-US" dirty="0">
+                <a:latin typeface="Times New Roman" panose="02020603050405020304" pitchFamily="18" charset="0"/>
+                <a:cs typeface="Times New Roman" panose="02020603050405020304" pitchFamily="18" charset="0"/>
+              </a:rPr>
+              <a:t>           </a:t>
+            </a:r>
+            <a:r>
+              <a:rPr lang="ru-RU" dirty="0">
+                <a:latin typeface="Times New Roman" panose="02020603050405020304" pitchFamily="18" charset="0"/>
+                <a:cs typeface="Times New Roman" panose="02020603050405020304" pitchFamily="18" charset="0"/>
+              </a:rPr>
+              <a:t>+</a:t>
+            </a:r>
+          </a:p>
+          <a:p>
+            <a:pPr algn="ctr"/>
+            <a:r>
+              <a:rPr lang="en-US" dirty="0">
+                <a:latin typeface="Times New Roman" panose="02020603050405020304" pitchFamily="18" charset="0"/>
+                <a:cs typeface="Times New Roman" panose="02020603050405020304" pitchFamily="18" charset="0"/>
+              </a:rPr>
+              <a:t>N-products</a:t>
+            </a:r>
+            <a:endParaRPr lang="ru-RU" dirty="0">
+              <a:latin typeface="Times New Roman" panose="02020603050405020304" pitchFamily="18" charset="0"/>
+              <a:cs typeface="Times New Roman" panose="02020603050405020304" pitchFamily="18" charset="0"/>
+            </a:endParaRPr>
+          </a:p>
+        </p:txBody>
+      </p:sp>
     </p:spTree>
     <p:extLst>
       <p:ext uri="{BB962C8B-B14F-4D97-AF65-F5344CB8AC3E}">

--- a/Презентация.pptx
+++ b/Презентация.pptx
@@ -26,8 +26,8 @@
     <p:sldId id="270" r:id="rId14"/>
     <p:sldId id="272" r:id="rId15"/>
     <p:sldId id="273" r:id="rId16"/>
-    <p:sldId id="275" r:id="rId17"/>
-    <p:sldId id="276" r:id="rId18"/>
+    <p:sldId id="276" r:id="rId17"/>
+    <p:sldId id="275" r:id="rId18"/>
   </p:sldIdLst>
   <p:sldSz cx="9144000" cy="6858000" type="screen4x3"/>
   <p:notesSz cx="6858000" cy="9144000"/>
@@ -12447,71 +12447,6 @@
       </p:grpSpPr>
       <p:sp>
         <p:nvSpPr>
-          <p:cNvPr id="2" name="TextBox 1">
-            <a:extLst>
-              <a:ext uri="{FF2B5EF4-FFF2-40B4-BE49-F238E27FC236}">
-                <a16:creationId xmlns:a16="http://schemas.microsoft.com/office/drawing/2014/main" id="{D965D68D-F926-472D-B328-20F3DF8F5A03}"/>
-              </a:ext>
-            </a:extLst>
-          </p:cNvPr>
-          <p:cNvSpPr txBox="1"/>
-          <p:nvPr/>
-        </p:nvSpPr>
-        <p:spPr>
-          <a:xfrm>
-            <a:off x="2373924" y="2268416"/>
-            <a:ext cx="4070838" cy="584775"/>
-          </a:xfrm>
-          <a:prstGeom prst="rect">
-            <a:avLst/>
-          </a:prstGeom>
-          <a:noFill/>
-        </p:spPr>
-        <p:txBody>
-          <a:bodyPr wrap="square" rtlCol="0">
-            <a:spAutoFit/>
-          </a:bodyPr>
-          <a:lstStyle/>
-          <a:p>
-            <a:r>
-              <a:rPr lang="ru-RU" sz="3200" dirty="0"/>
-              <a:t>Спасибо за внимание!</a:t>
-            </a:r>
-          </a:p>
-        </p:txBody>
-      </p:sp>
-    </p:spTree>
-    <p:extLst>
-      <p:ext uri="{BB962C8B-B14F-4D97-AF65-F5344CB8AC3E}">
-        <p14:creationId xmlns:p14="http://schemas.microsoft.com/office/powerpoint/2010/main" val="2570867073"/>
-      </p:ext>
-    </p:extLst>
-  </p:cSld>
-  <p:clrMapOvr>
-    <a:masterClrMapping/>
-  </p:clrMapOvr>
-</p:sld>
-</file>
-
-<file path=ppt/slides/slide17.xml><?xml version="1.0" encoding="utf-8"?>
-<p:sld xmlns:a="http://schemas.openxmlformats.org/drawingml/2006/main" xmlns:r="http://schemas.openxmlformats.org/officeDocument/2006/relationships" xmlns:p="http://schemas.openxmlformats.org/presentationml/2006/main">
-  <p:cSld>
-    <p:spTree>
-      <p:nvGrpSpPr>
-        <p:cNvPr id="1" name=""/>
-        <p:cNvGrpSpPr/>
-        <p:nvPr/>
-      </p:nvGrpSpPr>
-      <p:grpSpPr>
-        <a:xfrm>
-          <a:off x="0" y="0"/>
-          <a:ext cx="0" cy="0"/>
-          <a:chOff x="0" y="0"/>
-          <a:chExt cx="0" cy="0"/>
-        </a:xfrm>
-      </p:grpSpPr>
-      <p:sp>
-        <p:nvSpPr>
           <p:cNvPr id="2" name="Заголовок 1">
             <a:extLst>
               <a:ext uri="{FF2B5EF4-FFF2-40B4-BE49-F238E27FC236}">
@@ -12676,6 +12611,71 @@
     <p:extLst>
       <p:ext uri="{BB962C8B-B14F-4D97-AF65-F5344CB8AC3E}">
         <p14:creationId xmlns:p14="http://schemas.microsoft.com/office/powerpoint/2010/main" val="893691464"/>
+      </p:ext>
+    </p:extLst>
+  </p:cSld>
+  <p:clrMapOvr>
+    <a:masterClrMapping/>
+  </p:clrMapOvr>
+</p:sld>
+</file>
+
+<file path=ppt/slides/slide17.xml><?xml version="1.0" encoding="utf-8"?>
+<p:sld xmlns:a="http://schemas.openxmlformats.org/drawingml/2006/main" xmlns:r="http://schemas.openxmlformats.org/officeDocument/2006/relationships" xmlns:p="http://schemas.openxmlformats.org/presentationml/2006/main">
+  <p:cSld>
+    <p:spTree>
+      <p:nvGrpSpPr>
+        <p:cNvPr id="1" name=""/>
+        <p:cNvGrpSpPr/>
+        <p:nvPr/>
+      </p:nvGrpSpPr>
+      <p:grpSpPr>
+        <a:xfrm>
+          <a:off x="0" y="0"/>
+          <a:ext cx="0" cy="0"/>
+          <a:chOff x="0" y="0"/>
+          <a:chExt cx="0" cy="0"/>
+        </a:xfrm>
+      </p:grpSpPr>
+      <p:sp>
+        <p:nvSpPr>
+          <p:cNvPr id="2" name="TextBox 1">
+            <a:extLst>
+              <a:ext uri="{FF2B5EF4-FFF2-40B4-BE49-F238E27FC236}">
+                <a16:creationId xmlns:a16="http://schemas.microsoft.com/office/drawing/2014/main" id="{D965D68D-F926-472D-B328-20F3DF8F5A03}"/>
+              </a:ext>
+            </a:extLst>
+          </p:cNvPr>
+          <p:cNvSpPr txBox="1"/>
+          <p:nvPr/>
+        </p:nvSpPr>
+        <p:spPr>
+          <a:xfrm>
+            <a:off x="2373924" y="2268416"/>
+            <a:ext cx="4070838" cy="584775"/>
+          </a:xfrm>
+          <a:prstGeom prst="rect">
+            <a:avLst/>
+          </a:prstGeom>
+          <a:noFill/>
+        </p:spPr>
+        <p:txBody>
+          <a:bodyPr wrap="square" rtlCol="0">
+            <a:spAutoFit/>
+          </a:bodyPr>
+          <a:lstStyle/>
+          <a:p>
+            <a:r>
+              <a:rPr lang="ru-RU" sz="3200" dirty="0"/>
+              <a:t>Спасибо за внимание!</a:t>
+            </a:r>
+          </a:p>
+        </p:txBody>
+      </p:sp>
+    </p:spTree>
+    <p:extLst>
+      <p:ext uri="{BB962C8B-B14F-4D97-AF65-F5344CB8AC3E}">
+        <p14:creationId xmlns:p14="http://schemas.microsoft.com/office/powerpoint/2010/main" val="2570867073"/>
       </p:ext>
     </p:extLst>
   </p:cSld>
@@ -14452,7 +14452,7 @@
           <a:graphicData uri="http://schemas.openxmlformats.org/presentationml/2006/ole">
             <mc:AlternateContent xmlns:mc="http://schemas.openxmlformats.org/markup-compatibility/2006">
               <mc:Choice xmlns:v="urn:schemas-microsoft-com:vml" Requires="v">
-                <p:oleObj spid="_x0000_s1051" name="CS ChemDraw Drawing" r:id="rId4" imgW="3916776" imgH="481493" progId="ChemDraw.Document.6.0">
+                <p:oleObj spid="_x0000_s1060" name="CS ChemDraw Drawing" r:id="rId4" imgW="3916776" imgH="481493" progId="ChemDraw.Document.6.0">
                   <p:embed/>
                 </p:oleObj>
               </mc:Choice>
@@ -15295,8 +15295,8 @@
           </p:sp>
         </mc:Fallback>
       </mc:AlternateContent>
-      <mc:AlternateContent xmlns:mc="http://schemas.openxmlformats.org/markup-compatibility/2006" xmlns:a14="http://schemas.microsoft.com/office/drawing/2010/main">
-        <mc:Choice Requires="a14">
+      <mc:AlternateContent xmlns:mc="http://schemas.openxmlformats.org/markup-compatibility/2006">
+        <mc:Choice xmlns:a14="http://schemas.microsoft.com/office/drawing/2010/main" Requires="a14">
           <p:sp>
             <p:nvSpPr>
               <p:cNvPr id="8" name="Объект 5">
@@ -15769,14 +15769,7 @@
                           </m:sub>
                         </m:sSub>
                       </m:e>
-                      <m:sup>
-                        <m:r>
-                          <a:rPr lang="en-US" sz="2000" i="1" smtClean="0">
-                            <a:latin typeface="Cambria Math" panose="02040503050406030204" pitchFamily="18" charset="0"/>
-                          </a:rPr>
-                          <m:t>5</m:t>
-                        </m:r>
-                      </m:sup>
+                      <m:sup/>
                     </m:sSup>
                     <m:r>
                       <a:rPr lang="ru-RU" sz="2000" i="1">
@@ -15838,7 +15831,7 @@
             </p:txBody>
           </p:sp>
         </mc:Choice>
-        <mc:Fallback xmlns="">
+        <mc:Fallback>
           <p:sp>
             <p:nvSpPr>
               <p:cNvPr id="8" name="Объект 5">
@@ -15967,25 +15960,25 @@
           <p:nvPr>
             <p:extLst>
               <p:ext uri="{D42A27DB-BD31-4B8C-83A1-F6EECF244321}">
-                <p14:modId xmlns:p14="http://schemas.microsoft.com/office/powerpoint/2010/main" val="1704408343"/>
+                <p14:modId xmlns:p14="http://schemas.microsoft.com/office/powerpoint/2010/main" val="294374025"/>
               </p:ext>
             </p:extLst>
           </p:nvPr>
         </p:nvGraphicFramePr>
         <p:xfrm>
-          <a:off x="43961" y="4366108"/>
-          <a:ext cx="9143999" cy="1019523"/>
+          <a:off x="-6350" y="4316413"/>
+          <a:ext cx="9245600" cy="1120775"/>
         </p:xfrm>
         <a:graphic>
           <a:graphicData uri="http://schemas.openxmlformats.org/presentationml/2006/ole">
             <mc:AlternateContent xmlns:mc="http://schemas.openxmlformats.org/markup-compatibility/2006">
               <mc:Choice xmlns:v="urn:schemas-microsoft-com:vml" Requires="v">
-                <p:oleObj spid="_x0000_s1052" name="CS ChemDraw Drawing" r:id="rId8" imgW="4753500" imgH="521106" progId="ChemDraw.Document.6.0">
+                <p:oleObj spid="_x0000_s1061" name="CS ChemDraw Drawing" r:id="rId8" imgW="4805066" imgH="571406" progId="ChemDraw.Document.6.0">
                   <p:embed/>
                 </p:oleObj>
               </mc:Choice>
               <mc:Fallback>
-                <p:oleObj name="CS ChemDraw Drawing" r:id="rId8" imgW="4753500" imgH="521106" progId="ChemDraw.Document.6.0">
+                <p:oleObj name="CS ChemDraw Drawing" r:id="rId8" imgW="4805066" imgH="571406" progId="ChemDraw.Document.6.0">
                   <p:embed/>
                   <p:pic>
                     <p:nvPicPr>
@@ -16010,8 +16003,8 @@
                     </p:blipFill>
                     <p:spPr bwMode="auto">
                       <a:xfrm>
-                        <a:off x="43961" y="4366108"/>
-                        <a:ext cx="9143999" cy="1019523"/>
+                        <a:off x="-6350" y="4316413"/>
+                        <a:ext cx="9245600" cy="1120775"/>
                       </a:xfrm>
                       <a:prstGeom prst="rect">
                         <a:avLst/>
@@ -16107,7 +16100,7 @@
           <a:graphicData uri="http://schemas.openxmlformats.org/presentationml/2006/ole">
             <mc:AlternateContent xmlns:mc="http://schemas.openxmlformats.org/markup-compatibility/2006">
               <mc:Choice xmlns:v="urn:schemas-microsoft-com:vml" Requires="v">
-                <p:oleObj spid="_x0000_s1053" name="CS ChemDraw Drawing" r:id="rId10" imgW="713117" imgH="478422" progId="ChemDraw.Document.6.0">
+                <p:oleObj spid="_x0000_s1062" name="CS ChemDraw Drawing" r:id="rId10" imgW="713117" imgH="478422" progId="ChemDraw.Document.6.0">
                   <p:embed/>
                 </p:oleObj>
               </mc:Choice>
@@ -16207,8 +16200,8 @@
           </a:p>
         </p:txBody>
       </p:sp>
-      <mc:AlternateContent xmlns:mc="http://schemas.openxmlformats.org/markup-compatibility/2006" xmlns:a14="http://schemas.microsoft.com/office/drawing/2010/main">
-        <mc:Choice Requires="a14">
+      <mc:AlternateContent xmlns:mc="http://schemas.openxmlformats.org/markup-compatibility/2006">
+        <mc:Choice xmlns:a14="http://schemas.microsoft.com/office/drawing/2010/main" Requires="a14">
           <p:sp>
             <p:nvSpPr>
               <p:cNvPr id="3" name="Объект 2">
@@ -16227,12 +16220,14 @@
             </p:nvSpPr>
             <p:spPr>
               <a:xfrm>
-                <a:off x="4351628" y="1799866"/>
+                <a:off x="3984307" y="1799382"/>
                 <a:ext cx="1945533" cy="539840"/>
               </a:xfrm>
             </p:spPr>
             <p:txBody>
-              <a:bodyPr/>
+              <a:bodyPr>
+                <a:normAutofit/>
+              </a:bodyPr>
               <a:lstStyle/>
               <a:p>
                 <a:pPr/>
@@ -16245,14 +16240,14 @@
                       <m:sSub>
                         <m:sSubPr>
                           <m:ctrlPr>
-                            <a:rPr lang="ru-RU" sz="2800" i="1" smtClean="0">
+                            <a:rPr lang="ru-RU" sz="2400" i="1" smtClean="0">
                               <a:latin typeface="Cambria Math" panose="02040503050406030204" pitchFamily="18" charset="0"/>
                             </a:rPr>
                           </m:ctrlPr>
                         </m:sSubPr>
                         <m:e>
                           <m:r>
-                            <a:rPr lang="ru-RU" sz="2800" b="0" i="1">
+                            <a:rPr lang="ru-RU" sz="2400" b="0" i="1">
                               <a:latin typeface="Cambria Math" panose="02040503050406030204" pitchFamily="18" charset="0"/>
                             </a:rPr>
                             <m:t>𝑘</m:t>
@@ -16260,7 +16255,7 @@
                         </m:e>
                         <m:sub>
                           <m:r>
-                            <a:rPr lang="en-US" sz="2800" b="0" i="1" smtClean="0">
+                            <a:rPr lang="en-US" sz="2400" b="0" i="1" smtClean="0">
                               <a:latin typeface="Cambria Math" panose="02040503050406030204" pitchFamily="18" charset="0"/>
                             </a:rPr>
                             <m:t>𝑟</m:t>
@@ -16268,7 +16263,7 @@
                         </m:sub>
                       </m:sSub>
                       <m:r>
-                        <a:rPr lang="ru-RU" sz="2800" b="0" i="1">
+                        <a:rPr lang="ru-RU" sz="2400" b="0" i="1">
                           <a:latin typeface="Cambria Math" panose="02040503050406030204" pitchFamily="18" charset="0"/>
                         </a:rPr>
                         <m:t>~</m:t>
@@ -16276,14 +16271,14 @@
                       <m:sSup>
                         <m:sSupPr>
                           <m:ctrlPr>
-                            <a:rPr lang="ru-RU" sz="2800" i="1">
+                            <a:rPr lang="ru-RU" sz="2400" i="1">
                               <a:latin typeface="Cambria Math" panose="02040503050406030204" pitchFamily="18" charset="0"/>
                             </a:rPr>
                           </m:ctrlPr>
                         </m:sSupPr>
                         <m:e>
                           <m:r>
-                            <a:rPr lang="ru-RU" sz="2800" b="0" i="1">
+                            <a:rPr lang="ru-RU" sz="2400" b="0" i="1">
                               <a:latin typeface="Cambria Math" panose="02040503050406030204" pitchFamily="18" charset="0"/>
                             </a:rPr>
                             <m:t> 10</m:t>
@@ -16291,7 +16286,7 @@
                         </m:e>
                         <m:sup>
                           <m:r>
-                            <a:rPr lang="en-US" sz="2800" b="0" i="1" smtClean="0">
+                            <a:rPr lang="en-US" sz="2400" b="0" i="1" smtClean="0">
                               <a:latin typeface="Cambria Math" panose="02040503050406030204" pitchFamily="18" charset="0"/>
                             </a:rPr>
                             <m:t>9</m:t>
@@ -16299,7 +16294,7 @@
                         </m:sup>
                       </m:sSup>
                       <m:r>
-                        <a:rPr lang="ru-RU" sz="2800" b="0" i="1">
+                        <a:rPr lang="ru-RU" sz="2400" b="0" i="1">
                           <a:latin typeface="Cambria Math" panose="02040503050406030204" pitchFamily="18" charset="0"/>
                         </a:rPr>
                         <m:t> </m:t>
@@ -16307,14 +16302,14 @@
                       <m:sSup>
                         <m:sSupPr>
                           <m:ctrlPr>
-                            <a:rPr lang="ru-RU" sz="2800" i="1">
+                            <a:rPr lang="ru-RU" sz="2400" i="1">
                               <a:latin typeface="Cambria Math" panose="02040503050406030204" pitchFamily="18" charset="0"/>
                             </a:rPr>
                           </m:ctrlPr>
                         </m:sSupPr>
                         <m:e>
                           <m:r>
-                            <a:rPr lang="ru-RU" sz="2800" b="0" i="1">
+                            <a:rPr lang="ru-RU" sz="2400" b="0" i="1">
                               <a:latin typeface="Cambria Math" panose="02040503050406030204" pitchFamily="18" charset="0"/>
                             </a:rPr>
                             <m:t>с</m:t>
@@ -16322,7 +16317,7 @@
                         </m:e>
                         <m:sup>
                           <m:r>
-                            <a:rPr lang="ru-RU" sz="2800" b="0" i="1">
+                            <a:rPr lang="ru-RU" sz="2400" b="0" i="1">
                               <a:latin typeface="Cambria Math" panose="02040503050406030204" pitchFamily="18" charset="0"/>
                             </a:rPr>
                             <m:t>−1</m:t>
@@ -16332,12 +16327,12 @@
                     </m:oMath>
                   </m:oMathPara>
                 </a14:m>
-                <a:endParaRPr lang="ru-RU" dirty="0"/>
+                <a:endParaRPr lang="ru-RU" sz="2400" dirty="0"/>
               </a:p>
             </p:txBody>
           </p:sp>
         </mc:Choice>
-        <mc:Fallback xmlns="">
+        <mc:Fallback>
           <p:sp>
             <p:nvSpPr>
               <p:cNvPr id="3" name="Объект 2">
@@ -16356,13 +16351,13 @@
             </p:nvSpPr>
             <p:spPr>
               <a:xfrm>
-                <a:off x="4351628" y="1799866"/>
+                <a:off x="3984307" y="1799382"/>
                 <a:ext cx="1945533" cy="539840"/>
               </a:xfrm>
               <a:blipFill>
                 <a:blip r:embed="rId3"/>
                 <a:stretch>
-                  <a:fillRect l="-1881" r="-2194"/>
+                  <a:fillRect/>
                 </a:stretch>
               </a:blipFill>
             </p:spPr>
@@ -16450,81 +16445,8 @@
           </a:p>
         </p:txBody>
       </p:sp>
-      <p:graphicFrame>
-        <p:nvGraphicFramePr>
-          <p:cNvPr id="5" name="Объект 4">
-            <a:extLst>
-              <a:ext uri="{FF2B5EF4-FFF2-40B4-BE49-F238E27FC236}">
-                <a16:creationId xmlns:a16="http://schemas.microsoft.com/office/drawing/2014/main" id="{9763F154-9A59-4390-97AC-CF1B58DBA53B}"/>
-              </a:ext>
-            </a:extLst>
-          </p:cNvPr>
-          <p:cNvGraphicFramePr>
-            <a:graphicFrameLocks noChangeAspect="1"/>
-          </p:cNvGraphicFramePr>
-          <p:nvPr>
-            <p:extLst>
-              <p:ext uri="{D42A27DB-BD31-4B8C-83A1-F6EECF244321}">
-                <p14:modId xmlns:p14="http://schemas.microsoft.com/office/powerpoint/2010/main" val="3992301963"/>
-              </p:ext>
-            </p:extLst>
-          </p:nvPr>
-        </p:nvGraphicFramePr>
-        <p:xfrm>
-          <a:off x="951065" y="816090"/>
-          <a:ext cx="7241870" cy="975641"/>
-        </p:xfrm>
-        <a:graphic>
-          <a:graphicData uri="http://schemas.openxmlformats.org/presentationml/2006/ole">
-            <mc:AlternateContent xmlns:mc="http://schemas.openxmlformats.org/markup-compatibility/2006">
-              <mc:Choice xmlns:v="urn:schemas-microsoft-com:vml" Requires="v">
-                <p:oleObj spid="_x0000_s3096" name="CS ChemDraw Drawing" r:id="rId4" imgW="3640731" imgH="486099" progId="ChemDraw.Document.6.0">
-                  <p:embed/>
-                </p:oleObj>
-              </mc:Choice>
-              <mc:Fallback>
-                <p:oleObj name="CS ChemDraw Drawing" r:id="rId4" imgW="3640731" imgH="486099" progId="ChemDraw.Document.6.0">
-                  <p:embed/>
-                  <p:pic>
-                    <p:nvPicPr>
-                      <p:cNvPr id="5" name="Объект 4">
-                        <a:extLst>
-                          <a:ext uri="{FF2B5EF4-FFF2-40B4-BE49-F238E27FC236}">
-                            <a16:creationId xmlns:a16="http://schemas.microsoft.com/office/drawing/2014/main" id="{9763F154-9A59-4390-97AC-CF1B58DBA53B}"/>
-                          </a:ext>
-                        </a:extLst>
-                      </p:cNvPr>
-                      <p:cNvPicPr>
-                        <a:picLocks noChangeAspect="1" noChangeArrowheads="1"/>
-                      </p:cNvPicPr>
-                      <p:nvPr/>
-                    </p:nvPicPr>
-                    <p:blipFill>
-                      <a:blip r:embed="rId5"/>
-                      <a:srcRect/>
-                      <a:stretch>
-                        <a:fillRect/>
-                      </a:stretch>
-                    </p:blipFill>
-                    <p:spPr bwMode="auto">
-                      <a:xfrm>
-                        <a:off x="951065" y="816090"/>
-                        <a:ext cx="7241870" cy="975641"/>
-                      </a:xfrm>
-                      <a:prstGeom prst="rect">
-                        <a:avLst/>
-                      </a:prstGeom>
-                      <a:noFill/>
-                    </p:spPr>
-                  </p:pic>
-                </p:oleObj>
-              </mc:Fallback>
-            </mc:AlternateContent>
-          </a:graphicData>
-        </a:graphic>
-      </p:graphicFrame>
-      <mc:AlternateContent xmlns:mc="http://schemas.openxmlformats.org/markup-compatibility/2006" xmlns:a14="http://schemas.microsoft.com/office/drawing/2010/main">
-        <mc:Choice Requires="a14">
+      <mc:AlternateContent xmlns:mc="http://schemas.openxmlformats.org/markup-compatibility/2006">
+        <mc:Choice xmlns:a14="http://schemas.microsoft.com/office/drawing/2010/main" Requires="a14">
           <p:sp>
             <p:nvSpPr>
               <p:cNvPr id="7" name="Объект 2">
@@ -16541,7 +16463,7 @@
             </p:nvSpPr>
             <p:spPr>
               <a:xfrm>
-                <a:off x="1298961" y="4000975"/>
+                <a:off x="1298961" y="4285419"/>
                 <a:ext cx="3161490" cy="562875"/>
               </a:xfrm>
               <a:prstGeom prst="rect">
@@ -16864,7 +16786,7 @@
             </p:txBody>
           </p:sp>
         </mc:Choice>
-        <mc:Fallback xmlns="">
+        <mc:Fallback>
           <p:sp>
             <p:nvSpPr>
               <p:cNvPr id="7" name="Объект 2">
@@ -16881,14 +16803,14 @@
             </p:nvSpPr>
             <p:spPr>
               <a:xfrm>
-                <a:off x="1298961" y="4000975"/>
+                <a:off x="1298961" y="4285419"/>
                 <a:ext cx="3161490" cy="562875"/>
               </a:xfrm>
               <a:prstGeom prst="rect">
                 <a:avLst/>
               </a:prstGeom>
               <a:blipFill>
-                <a:blip r:embed="rId6"/>
+                <a:blip r:embed="rId4"/>
                 <a:stretch>
                   <a:fillRect/>
                 </a:stretch>
@@ -16925,7 +16847,192 @@
         </p:nvSpPr>
         <p:spPr bwMode="auto">
           <a:xfrm>
-            <a:off x="-12962" y="3280150"/>
+            <a:off x="-12962" y="3564594"/>
+            <a:ext cx="9144000" cy="0"/>
+          </a:xfrm>
+          <a:prstGeom prst="rect">
+            <a:avLst/>
+          </a:prstGeom>
+          <a:noFill/>
+          <a:ln>
+            <a:noFill/>
+          </a:ln>
+          <a:effectLst/>
+          <a:extLst>
+            <a:ext uri="{909E8E84-426E-40DD-AFC4-6F175D3DCCD1}">
+              <a14:hiddenFill xmlns:a14="http://schemas.microsoft.com/office/drawing/2010/main">
+                <a:solidFill>
+                  <a:schemeClr val="accent1"/>
+                </a:solidFill>
+              </a14:hiddenFill>
+            </a:ext>
+            <a:ext uri="{91240B29-F687-4F45-9708-019B960494DF}">
+              <a14:hiddenLine xmlns:a14="http://schemas.microsoft.com/office/drawing/2010/main" w="9525">
+                <a:solidFill>
+                  <a:schemeClr val="tx1"/>
+                </a:solidFill>
+                <a:miter lim="800000"/>
+                <a:headEnd/>
+                <a:tailEnd/>
+              </a14:hiddenLine>
+            </a:ext>
+            <a:ext uri="{AF507438-7753-43E0-B8FC-AC1667EBCBE1}">
+              <a14:hiddenEffects xmlns:a14="http://schemas.microsoft.com/office/drawing/2010/main">
+                <a:effectLst>
+                  <a:outerShdw dist="35921" dir="2700000" algn="ctr" rotWithShape="0">
+                    <a:schemeClr val="bg2"/>
+                  </a:outerShdw>
+                </a:effectLst>
+              </a14:hiddenEffects>
+            </a:ext>
+          </a:extLst>
+        </p:spPr>
+        <p:txBody>
+          <a:bodyPr vert="horz" wrap="none" lIns="91440" tIns="45720" rIns="91440" bIns="45720" numCol="1" anchor="ctr" anchorCtr="0" compatLnSpc="1">
+            <a:prstTxWarp prst="textNoShape">
+              <a:avLst/>
+            </a:prstTxWarp>
+            <a:spAutoFit/>
+          </a:bodyPr>
+          <a:lstStyle/>
+          <a:p>
+            <a:endParaRPr lang="ru-RU"/>
+          </a:p>
+        </p:txBody>
+      </p:sp>
+      <p:sp>
+        <p:nvSpPr>
+          <p:cNvPr id="10" name="TextBox 9">
+            <a:extLst>
+              <a:ext uri="{FF2B5EF4-FFF2-40B4-BE49-F238E27FC236}">
+                <a16:creationId xmlns:a16="http://schemas.microsoft.com/office/drawing/2014/main" id="{BBB26FEA-AAC1-4646-95C2-F352294F2649}"/>
+              </a:ext>
+            </a:extLst>
+          </p:cNvPr>
+          <p:cNvSpPr txBox="1"/>
+          <p:nvPr/>
+        </p:nvSpPr>
+        <p:spPr>
+          <a:xfrm>
+            <a:off x="0" y="4848294"/>
+            <a:ext cx="5506365" cy="1354217"/>
+          </a:xfrm>
+          <a:prstGeom prst="rect">
+            <a:avLst/>
+          </a:prstGeom>
+          <a:noFill/>
+        </p:spPr>
+        <p:txBody>
+          <a:bodyPr wrap="square" rtlCol="0">
+            <a:spAutoFit/>
+          </a:bodyPr>
+          <a:lstStyle/>
+          <a:p>
+            <a:r>
+              <a:rPr lang="ru-RU" sz="1600" b="1" dirty="0"/>
+              <a:t>Факторы влияющие на скорость распада:</a:t>
+            </a:r>
+          </a:p>
+          <a:p>
+            <a:pPr marL="342900" indent="-342900">
+              <a:buFont typeface="+mj-lt"/>
+              <a:buAutoNum type="arabicPeriod"/>
+            </a:pPr>
+            <a:r>
+              <a:rPr lang="ru-RU" sz="1600" dirty="0"/>
+              <a:t>Стерический – объем эфирной группы</a:t>
+            </a:r>
+          </a:p>
+          <a:p>
+            <a:pPr marL="342900" indent="-342900">
+              <a:buFont typeface="+mj-lt"/>
+              <a:buAutoNum type="arabicPeriod"/>
+            </a:pPr>
+            <a:r>
+              <a:rPr lang="ru-RU" sz="1600" dirty="0"/>
+              <a:t>Электронно-донорные свойства амина</a:t>
+            </a:r>
+          </a:p>
+          <a:p>
+            <a:pPr marL="342900" indent="-342900">
+              <a:buFont typeface="+mj-lt"/>
+              <a:buAutoNum type="arabicPeriod"/>
+            </a:pPr>
+            <a:r>
+              <a:rPr lang="ru-RU" sz="1600" dirty="0"/>
+              <a:t>Полярность растворителя</a:t>
+            </a:r>
+          </a:p>
+          <a:p>
+            <a:pPr marL="342900" indent="-342900">
+              <a:buFont typeface="+mj-lt"/>
+              <a:buAutoNum type="arabicPeriod"/>
+            </a:pPr>
+            <a:endParaRPr lang="ru-RU" sz="1600" dirty="0"/>
+          </a:p>
+        </p:txBody>
+      </p:sp>
+      <p:sp>
+        <p:nvSpPr>
+          <p:cNvPr id="6" name="TextBox 5">
+            <a:extLst>
+              <a:ext uri="{FF2B5EF4-FFF2-40B4-BE49-F238E27FC236}">
+                <a16:creationId xmlns:a16="http://schemas.microsoft.com/office/drawing/2014/main" id="{98862244-50A3-44B5-B5AA-15287BF61407}"/>
+              </a:ext>
+            </a:extLst>
+          </p:cNvPr>
+          <p:cNvSpPr txBox="1"/>
+          <p:nvPr/>
+        </p:nvSpPr>
+        <p:spPr>
+          <a:xfrm>
+            <a:off x="7551071" y="3816690"/>
+            <a:ext cx="1740975" cy="646331"/>
+          </a:xfrm>
+          <a:prstGeom prst="rect">
+            <a:avLst/>
+          </a:prstGeom>
+          <a:noFill/>
+        </p:spPr>
+        <p:txBody>
+          <a:bodyPr wrap="square" rtlCol="0">
+            <a:spAutoFit/>
+          </a:bodyPr>
+          <a:lstStyle/>
+          <a:p>
+            <a:pPr algn="ctr"/>
+            <a:r>
+              <a:rPr lang="ru-RU" dirty="0"/>
+              <a:t>+</a:t>
+            </a:r>
+          </a:p>
+          <a:p>
+            <a:pPr algn="ctr"/>
+            <a:r>
+              <a:rPr lang="en-US" dirty="0"/>
+              <a:t>N-products</a:t>
+            </a:r>
+            <a:endParaRPr lang="ru-RU" dirty="0"/>
+          </a:p>
+        </p:txBody>
+      </p:sp>
+      <p:sp>
+        <p:nvSpPr>
+          <p:cNvPr id="11" name="Rectangle 27">
+            <a:extLst>
+              <a:ext uri="{FF2B5EF4-FFF2-40B4-BE49-F238E27FC236}">
+                <a16:creationId xmlns:a16="http://schemas.microsoft.com/office/drawing/2014/main" id="{78FEB2B8-7CB7-436E-B53A-DB71D7F9DEB2}"/>
+              </a:ext>
+            </a:extLst>
+          </p:cNvPr>
+          <p:cNvSpPr>
+            <a:spLocks noChangeArrowheads="1"/>
+          </p:cNvSpPr>
+          <p:nvPr/>
+        </p:nvSpPr>
+        <p:spPr bwMode="auto">
+          <a:xfrm>
+            <a:off x="148046" y="1630036"/>
             <a:ext cx="9144000" cy="0"/>
           </a:xfrm>
           <a:prstGeom prst="rect">
@@ -16980,10 +17087,10 @@
       </p:sp>
       <p:graphicFrame>
         <p:nvGraphicFramePr>
-          <p:cNvPr id="9" name="Объект 8">
+          <p:cNvPr id="12" name="Объект 11">
             <a:extLst>
               <a:ext uri="{FF2B5EF4-FFF2-40B4-BE49-F238E27FC236}">
-                <a16:creationId xmlns:a16="http://schemas.microsoft.com/office/drawing/2014/main" id="{E2229B3D-2B97-4CD8-8E58-E387D9BAB502}"/>
+                <a16:creationId xmlns:a16="http://schemas.microsoft.com/office/drawing/2014/main" id="{C8E6098E-FAE7-4E23-B90E-D7AF4221D306}"/>
               </a:ext>
             </a:extLst>
           </p:cNvPr>
@@ -16993,48 +17100,36 @@
           <p:nvPr>
             <p:extLst>
               <p:ext uri="{D42A27DB-BD31-4B8C-83A1-F6EECF244321}">
-                <p14:modId xmlns:p14="http://schemas.microsoft.com/office/powerpoint/2010/main" val="2375504017"/>
+                <p14:modId xmlns:p14="http://schemas.microsoft.com/office/powerpoint/2010/main" val="2907609070"/>
               </p:ext>
             </p:extLst>
           </p:nvPr>
         </p:nvGraphicFramePr>
         <p:xfrm>
-          <a:off x="-12962" y="2732175"/>
-          <a:ext cx="10973226" cy="1250833"/>
+          <a:off x="-63500" y="447675"/>
+          <a:ext cx="9271000" cy="1547813"/>
         </p:xfrm>
         <a:graphic>
           <a:graphicData uri="http://schemas.openxmlformats.org/presentationml/2006/ole">
             <mc:AlternateContent xmlns:mc="http://schemas.openxmlformats.org/markup-compatibility/2006">
               <mc:Choice xmlns:v="urn:schemas-microsoft-com:vml" Requires="v">
-                <p:oleObj spid="_x0000_s3097" name="CS ChemDraw Drawing" r:id="rId7" imgW="5824555" imgH="662667" progId="ChemDraw.Document.6.0">
+                <p:oleObj spid="_x0000_s3106" name="CS ChemDraw Drawing" r:id="rId5" imgW="3819215" imgH="643097" progId="ChemDraw.Document.6.0">
                   <p:embed/>
                 </p:oleObj>
               </mc:Choice>
               <mc:Fallback>
-                <p:oleObj name="CS ChemDraw Drawing" r:id="rId7" imgW="5824555" imgH="662667" progId="ChemDraw.Document.6.0">
+                <p:oleObj name="CS ChemDraw Drawing" r:id="rId5" imgW="3819215" imgH="643097" progId="ChemDraw.Document.6.0">
                   <p:embed/>
                   <p:pic>
                     <p:nvPicPr>
-                      <p:cNvPr id="5" name="Объект 4">
-                        <a:extLst>
-                          <a:ext uri="{FF2B5EF4-FFF2-40B4-BE49-F238E27FC236}">
-                            <a16:creationId xmlns:a16="http://schemas.microsoft.com/office/drawing/2014/main" id="{891CDF1F-95CF-4F89-92AB-8A11CB7010E1}"/>
-                          </a:ext>
-                        </a:extLst>
-                      </p:cNvPr>
+                      <p:cNvPr id="0" name="Object 26"/>
                       <p:cNvPicPr>
                         <a:picLocks noChangeAspect="1" noChangeArrowheads="1"/>
                       </p:cNvPicPr>
                       <p:nvPr/>
                     </p:nvPicPr>
                     <p:blipFill>
-                      <a:blip r:embed="rId8">
-                        <a:extLst>
-                          <a:ext uri="{28A0092B-C50C-407E-A947-70E740481C1C}">
-                            <a14:useLocalDpi xmlns:a14="http://schemas.microsoft.com/office/drawing/2010/main" val="0"/>
-                          </a:ext>
-                        </a:extLst>
-                      </a:blip>
+                      <a:blip r:embed="rId6"/>
                       <a:srcRect/>
                       <a:stretch>
                         <a:fillRect/>
@@ -17042,8 +17137,8 @@
                     </p:blipFill>
                     <p:spPr bwMode="auto">
                       <a:xfrm>
-                        <a:off x="-12962" y="2732175"/>
-                        <a:ext cx="10973226" cy="1250833"/>
+                        <a:off x="-63500" y="447675"/>
+                        <a:ext cx="9271000" cy="1547813"/>
                       </a:xfrm>
                       <a:prstGeom prst="rect">
                         <a:avLst/>
@@ -17059,120 +17154,140 @@
       </p:graphicFrame>
       <p:sp>
         <p:nvSpPr>
-          <p:cNvPr id="10" name="TextBox 9">
+          <p:cNvPr id="13" name="Rectangle 29">
             <a:extLst>
               <a:ext uri="{FF2B5EF4-FFF2-40B4-BE49-F238E27FC236}">
-                <a16:creationId xmlns:a16="http://schemas.microsoft.com/office/drawing/2014/main" id="{BBB26FEA-AAC1-4646-95C2-F352294F2649}"/>
+                <a16:creationId xmlns:a16="http://schemas.microsoft.com/office/drawing/2014/main" id="{78687AEC-8175-4BC1-A0FD-C792832D22D4}"/>
               </a:ext>
             </a:extLst>
           </p:cNvPr>
-          <p:cNvSpPr txBox="1"/>
+          <p:cNvSpPr>
+            <a:spLocks noChangeArrowheads="1"/>
+          </p:cNvSpPr>
           <p:nvPr/>
         </p:nvSpPr>
-        <p:spPr>
+        <p:spPr bwMode="auto">
           <a:xfrm>
-            <a:off x="-32714" y="4923452"/>
-            <a:ext cx="5506365" cy="1631216"/>
+            <a:off x="-32714" y="2336215"/>
+            <a:ext cx="13306748" cy="0"/>
           </a:xfrm>
           <a:prstGeom prst="rect">
             <a:avLst/>
           </a:prstGeom>
           <a:noFill/>
+          <a:ln>
+            <a:noFill/>
+          </a:ln>
+          <a:effectLst/>
+          <a:extLst>
+            <a:ext uri="{909E8E84-426E-40DD-AFC4-6F175D3DCCD1}">
+              <a14:hiddenFill xmlns:a14="http://schemas.microsoft.com/office/drawing/2010/main">
+                <a:solidFill>
+                  <a:schemeClr val="accent1"/>
+                </a:solidFill>
+              </a14:hiddenFill>
+            </a:ext>
+            <a:ext uri="{91240B29-F687-4F45-9708-019B960494DF}">
+              <a14:hiddenLine xmlns:a14="http://schemas.microsoft.com/office/drawing/2010/main" w="9525">
+                <a:solidFill>
+                  <a:schemeClr val="tx1"/>
+                </a:solidFill>
+                <a:miter lim="800000"/>
+                <a:headEnd/>
+                <a:tailEnd/>
+              </a14:hiddenLine>
+            </a:ext>
+            <a:ext uri="{AF507438-7753-43E0-B8FC-AC1667EBCBE1}">
+              <a14:hiddenEffects xmlns:a14="http://schemas.microsoft.com/office/drawing/2010/main">
+                <a:effectLst>
+                  <a:outerShdw dist="35921" dir="2700000" algn="ctr" rotWithShape="0">
+                    <a:schemeClr val="bg2"/>
+                  </a:outerShdw>
+                </a:effectLst>
+              </a14:hiddenEffects>
+            </a:ext>
+          </a:extLst>
         </p:spPr>
         <p:txBody>
-          <a:bodyPr wrap="square" rtlCol="0">
+          <a:bodyPr vert="horz" wrap="square" lIns="91440" tIns="45720" rIns="91440" bIns="45720" numCol="1" anchor="ctr" anchorCtr="0" compatLnSpc="1">
+            <a:prstTxWarp prst="textNoShape">
+              <a:avLst/>
+            </a:prstTxWarp>
             <a:spAutoFit/>
           </a:bodyPr>
           <a:lstStyle/>
           <a:p>
-            <a:r>
-              <a:rPr lang="ru-RU" sz="2000" b="1" dirty="0"/>
-              <a:t>Факторы влияющие на скорость распада:</a:t>
-            </a:r>
-          </a:p>
-          <a:p>
-            <a:pPr marL="342900" indent="-342900">
-              <a:buFont typeface="+mj-lt"/>
-              <a:buAutoNum type="arabicPeriod"/>
-            </a:pPr>
-            <a:r>
-              <a:rPr lang="ru-RU" sz="2000" dirty="0"/>
-              <a:t>Стерический – объем эфирной группы</a:t>
-            </a:r>
-          </a:p>
-          <a:p>
-            <a:pPr marL="342900" indent="-342900">
-              <a:buFont typeface="+mj-lt"/>
-              <a:buAutoNum type="arabicPeriod"/>
-            </a:pPr>
-            <a:r>
-              <a:rPr lang="ru-RU" sz="2000" dirty="0"/>
-              <a:t>Электронно-донорные свойства амина</a:t>
-            </a:r>
-          </a:p>
-          <a:p>
-            <a:pPr marL="342900" indent="-342900">
-              <a:buFont typeface="+mj-lt"/>
-              <a:buAutoNum type="arabicPeriod"/>
-            </a:pPr>
-            <a:r>
-              <a:rPr lang="ru-RU" sz="2000" dirty="0"/>
-              <a:t>Полярность растворителя</a:t>
-            </a:r>
-          </a:p>
-          <a:p>
-            <a:pPr marL="342900" indent="-342900">
-              <a:buFont typeface="+mj-lt"/>
-              <a:buAutoNum type="arabicPeriod"/>
-            </a:pPr>
-            <a:endParaRPr lang="ru-RU" sz="2000" dirty="0"/>
+            <a:endParaRPr lang="ru-RU"/>
           </a:p>
         </p:txBody>
       </p:sp>
-      <p:sp>
-        <p:nvSpPr>
-          <p:cNvPr id="6" name="TextBox 5">
+      <p:graphicFrame>
+        <p:nvGraphicFramePr>
+          <p:cNvPr id="14" name="Объект 13">
             <a:extLst>
               <a:ext uri="{FF2B5EF4-FFF2-40B4-BE49-F238E27FC236}">
-                <a16:creationId xmlns:a16="http://schemas.microsoft.com/office/drawing/2014/main" id="{98862244-50A3-44B5-B5AA-15287BF61407}"/>
+                <a16:creationId xmlns:a16="http://schemas.microsoft.com/office/drawing/2014/main" id="{6EAF40A6-A807-4DD5-9C9E-609096E37BC2}"/>
               </a:ext>
             </a:extLst>
           </p:cNvPr>
-          <p:cNvSpPr txBox="1"/>
-          <p:nvPr/>
-        </p:nvSpPr>
-        <p:spPr>
-          <a:xfrm>
-            <a:off x="7526215" y="3819426"/>
-            <a:ext cx="1740975" cy="646331"/>
-          </a:xfrm>
-          <a:prstGeom prst="rect">
-            <a:avLst/>
-          </a:prstGeom>
-          <a:noFill/>
-        </p:spPr>
-        <p:txBody>
-          <a:bodyPr wrap="square" rtlCol="0">
-            <a:spAutoFit/>
-          </a:bodyPr>
-          <a:lstStyle/>
-          <a:p>
-            <a:pPr algn="ctr"/>
-            <a:r>
-              <a:rPr lang="ru-RU" dirty="0"/>
-              <a:t>+</a:t>
-            </a:r>
-          </a:p>
-          <a:p>
-            <a:pPr algn="ctr"/>
-            <a:r>
-              <a:rPr lang="en-US" dirty="0"/>
-              <a:t>N-products</a:t>
-            </a:r>
-            <a:endParaRPr lang="ru-RU" dirty="0"/>
-          </a:p>
-        </p:txBody>
-      </p:sp>
+          <p:cNvGraphicFramePr>
+            <a:graphicFrameLocks noChangeAspect="1"/>
+          </p:cNvGraphicFramePr>
+          <p:nvPr>
+            <p:extLst>
+              <p:ext uri="{D42A27DB-BD31-4B8C-83A1-F6EECF244321}">
+                <p14:modId xmlns:p14="http://schemas.microsoft.com/office/powerpoint/2010/main" val="333271252"/>
+              </p:ext>
+            </p:extLst>
+          </p:nvPr>
+        </p:nvGraphicFramePr>
+        <p:xfrm>
+          <a:off x="1588" y="2574925"/>
+          <a:ext cx="10850562" cy="1466850"/>
+        </p:xfrm>
+        <a:graphic>
+          <a:graphicData uri="http://schemas.openxmlformats.org/presentationml/2006/ole">
+            <mc:AlternateContent xmlns:mc="http://schemas.openxmlformats.org/markup-compatibility/2006">
+              <mc:Choice xmlns:v="urn:schemas-microsoft-com:vml" Requires="v">
+                <p:oleObj spid="_x0000_s3107" name="CS ChemDraw Drawing" r:id="rId7" imgW="5896391" imgH="797083" progId="ChemDraw.Document.6.0">
+                  <p:embed/>
+                </p:oleObj>
+              </mc:Choice>
+              <mc:Fallback>
+                <p:oleObj name="CS ChemDraw Drawing" r:id="rId7" imgW="5896391" imgH="797083" progId="ChemDraw.Document.6.0">
+                  <p:embed/>
+                  <p:pic>
+                    <p:nvPicPr>
+                      <p:cNvPr id="0" name="Object 28"/>
+                      <p:cNvPicPr>
+                        <a:picLocks noChangeAspect="1" noChangeArrowheads="1"/>
+                      </p:cNvPicPr>
+                      <p:nvPr/>
+                    </p:nvPicPr>
+                    <p:blipFill>
+                      <a:blip r:embed="rId8"/>
+                      <a:srcRect/>
+                      <a:stretch>
+                        <a:fillRect/>
+                      </a:stretch>
+                    </p:blipFill>
+                    <p:spPr bwMode="auto">
+                      <a:xfrm>
+                        <a:off x="1588" y="2574925"/>
+                        <a:ext cx="10850562" cy="1466850"/>
+                      </a:xfrm>
+                      <a:prstGeom prst="rect">
+                        <a:avLst/>
+                      </a:prstGeom>
+                      <a:noFill/>
+                    </p:spPr>
+                  </p:pic>
+                </p:oleObj>
+              </mc:Fallback>
+            </mc:AlternateContent>
+          </a:graphicData>
+        </a:graphic>
+      </p:graphicFrame>
     </p:spTree>
     <p:extLst>
       <p:ext uri="{BB962C8B-B14F-4D97-AF65-F5344CB8AC3E}">
@@ -17233,8 +17348,8 @@
           </a:p>
         </p:txBody>
       </p:sp>
-      <mc:AlternateContent xmlns:mc="http://schemas.openxmlformats.org/markup-compatibility/2006" xmlns:a14="http://schemas.microsoft.com/office/drawing/2010/main">
-        <mc:Choice Requires="a14">
+      <mc:AlternateContent xmlns:mc="http://schemas.openxmlformats.org/markup-compatibility/2006">
+        <mc:Choice xmlns:a14="http://schemas.microsoft.com/office/drawing/2010/main" Requires="a14">
           <p:sp>
             <p:nvSpPr>
               <p:cNvPr id="3" name="Объект 2">
@@ -17253,7 +17368,7 @@
             </p:nvSpPr>
             <p:spPr>
               <a:xfrm>
-                <a:off x="3332480" y="4952032"/>
+                <a:off x="3332480" y="5977142"/>
                 <a:ext cx="2479040" cy="758414"/>
               </a:xfrm>
             </p:spPr>
@@ -17383,7 +17498,7 @@
             </p:txBody>
           </p:sp>
         </mc:Choice>
-        <mc:Fallback xmlns="">
+        <mc:Fallback>
           <p:sp>
             <p:nvSpPr>
               <p:cNvPr id="3" name="Объект 2">
@@ -17402,7 +17517,7 @@
             </p:nvSpPr>
             <p:spPr>
               <a:xfrm>
-                <a:off x="3332480" y="4952032"/>
+                <a:off x="3332480" y="5977142"/>
                 <a:ext cx="2479040" cy="758414"/>
               </a:xfrm>
               <a:blipFill>
@@ -17511,20 +17626,20 @@
           <p:nvPr>
             <p:extLst>
               <p:ext uri="{D42A27DB-BD31-4B8C-83A1-F6EECF244321}">
-                <p14:modId xmlns:p14="http://schemas.microsoft.com/office/powerpoint/2010/main" val="2474213045"/>
+                <p14:modId xmlns:p14="http://schemas.microsoft.com/office/powerpoint/2010/main" val="2556290336"/>
               </p:ext>
             </p:extLst>
           </p:nvPr>
         </p:nvGraphicFramePr>
         <p:xfrm>
-          <a:off x="1239520" y="782784"/>
-          <a:ext cx="6705600" cy="4047400"/>
+          <a:off x="-1" y="501650"/>
+          <a:ext cx="9143999" cy="5519181"/>
         </p:xfrm>
         <a:graphic>
           <a:graphicData uri="http://schemas.openxmlformats.org/presentationml/2006/ole">
             <mc:AlternateContent xmlns:mc="http://schemas.openxmlformats.org/markup-compatibility/2006">
               <mc:Choice xmlns:v="urn:schemas-microsoft-com:vml" Requires="v">
-                <p:oleObj spid="_x0000_s5133" name="CS ChemDraw Drawing" r:id="rId4" imgW="4454451" imgH="2689667" progId="ChemDraw.Document.6.0">
+                <p:oleObj spid="_x0000_s5135" name="CS ChemDraw Drawing" r:id="rId4" imgW="4454451" imgH="2689667" progId="ChemDraw.Document.6.0">
                   <p:embed/>
                 </p:oleObj>
               </mc:Choice>
@@ -17560,8 +17675,8 @@
                     </p:blipFill>
                     <p:spPr bwMode="auto">
                       <a:xfrm>
-                        <a:off x="1239520" y="782784"/>
-                        <a:ext cx="6705600" cy="4047400"/>
+                        <a:off x="-1" y="501650"/>
+                        <a:ext cx="9143999" cy="5519181"/>
                       </a:xfrm>
                       <a:prstGeom prst="rect">
                         <a:avLst/>
@@ -17687,14 +17802,14 @@
               <p:nvPr>
                 <p:extLst>
                   <p:ext uri="{D42A27DB-BD31-4B8C-83A1-F6EECF244321}">
-                    <p14:modId xmlns:p14="http://schemas.microsoft.com/office/powerpoint/2010/main" val="829675939"/>
+                    <p14:modId xmlns:p14="http://schemas.microsoft.com/office/powerpoint/2010/main" val="2326290570"/>
                   </p:ext>
                 </p:extLst>
               </p:nvPr>
             </p:nvGraphicFramePr>
             <p:xfrm>
               <a:off x="101600" y="4104592"/>
-              <a:ext cx="8869338" cy="2753408"/>
+              <a:ext cx="8869338" cy="2789238"/>
             </p:xfrm>
             <a:graphic>
               <a:graphicData uri="http://schemas.openxmlformats.org/drawingml/2006/table">
@@ -19115,7 +19230,7 @@
                                 </m:e>
                                 <m:sub>
                                   <m:r>
-                                    <a:rPr lang="ru-RU" sz="2400" b="1" kern="1200">
+                                    <a:rPr lang="en-US" sz="2400" b="1" i="0" kern="1200" smtClean="0">
                                       <a:solidFill>
                                         <a:schemeClr val="tx1"/>
                                       </a:solidFill>
@@ -19124,7 +19239,7 @@
                                       <a:ea typeface="+mn-ea"/>
                                       <a:cs typeface="+mn-cs"/>
                                     </a:rPr>
-                                    <m:t>?</m:t>
+                                    <m:t>𝐪𝐃</m:t>
                                   </m:r>
                                 </m:sub>
                               </m:sSub>
@@ -19566,91 +19681,14 @@
                                 </a:rPr>
                                 <m:t>~</m:t>
                               </m:r>
-                              <m:sSup>
-                                <m:sSupPr>
-                                  <m:ctrlPr>
-                                    <a:rPr lang="ru-RU" sz="2400" i="1">
-                                      <a:solidFill>
-                                        <a:schemeClr val="tx1"/>
-                                      </a:solidFill>
-                                      <a:latin typeface="Cambria Math" panose="02040503050406030204" pitchFamily="18" charset="0"/>
-                                    </a:rPr>
-                                  </m:ctrlPr>
-                                </m:sSupPr>
-                                <m:e>
-                                  <m:r>
-                                    <a:rPr lang="ru-RU" sz="2400" b="0" i="1">
-                                      <a:solidFill>
-                                        <a:schemeClr val="tx1"/>
-                                      </a:solidFill>
-                                      <a:latin typeface="Cambria Math" panose="02040503050406030204" pitchFamily="18" charset="0"/>
-                                    </a:rPr>
-                                    <m:t> 10</m:t>
-                                  </m:r>
-                                </m:e>
-                                <m:sup>
-                                  <m:r>
-                                    <a:rPr lang="en-US" sz="2400" b="0" i="1" smtClean="0">
-                                      <a:solidFill>
-                                        <a:schemeClr val="tx1"/>
-                                      </a:solidFill>
-                                      <a:latin typeface="Cambria Math" panose="02040503050406030204" pitchFamily="18" charset="0"/>
-                                    </a:rPr>
-                                    <m:t>5</m:t>
-                                  </m:r>
-                                </m:sup>
-                              </m:sSup>
                               <m:r>
-                                <a:rPr lang="ru-RU" sz="2400" b="0" i="1">
+                                <a:rPr lang="en-US" sz="2400" b="0" i="1" smtClean="0">
                                   <a:solidFill>
                                     <a:schemeClr val="tx1"/>
                                   </a:solidFill>
                                   <a:latin typeface="Cambria Math" panose="02040503050406030204" pitchFamily="18" charset="0"/>
                                 </a:rPr>
-                                <m:t> −</m:t>
-                              </m:r>
-                              <m:sSup>
-                                <m:sSupPr>
-                                  <m:ctrlPr>
-                                    <a:rPr lang="ru-RU" sz="2400" i="1">
-                                      <a:solidFill>
-                                        <a:schemeClr val="tx1"/>
-                                      </a:solidFill>
-                                      <a:latin typeface="Cambria Math" panose="02040503050406030204" pitchFamily="18" charset="0"/>
-                                    </a:rPr>
-                                  </m:ctrlPr>
-                                </m:sSupPr>
-                                <m:e>
-                                  <m:r>
-                                    <a:rPr lang="ru-RU" sz="2400" b="0" i="1">
-                                      <a:solidFill>
-                                        <a:schemeClr val="tx1"/>
-                                      </a:solidFill>
-                                      <a:latin typeface="Cambria Math" panose="02040503050406030204" pitchFamily="18" charset="0"/>
-                                    </a:rPr>
-                                    <m:t>10</m:t>
-                                  </m:r>
-                                </m:e>
-                                <m:sup>
-                                  <m:r>
-                                    <a:rPr lang="en-US" sz="2400" b="0" i="1" smtClean="0">
-                                      <a:solidFill>
-                                        <a:schemeClr val="tx1"/>
-                                      </a:solidFill>
-                                      <a:latin typeface="Cambria Math" panose="02040503050406030204" pitchFamily="18" charset="0"/>
-                                    </a:rPr>
-                                    <m:t>10</m:t>
-                                  </m:r>
-                                </m:sup>
-                              </m:sSup>
-                              <m:r>
-                                <a:rPr lang="ru-RU" sz="2400" b="0" i="1">
-                                  <a:solidFill>
-                                    <a:schemeClr val="tx1"/>
-                                  </a:solidFill>
-                                  <a:latin typeface="Cambria Math" panose="02040503050406030204" pitchFamily="18" charset="0"/>
-                                </a:rPr>
-                                <m:t> </m:t>
+                                <m:t>2000</m:t>
                               </m:r>
                               <m:sSup>
                                 <m:sSupPr>
@@ -20639,14 +20677,14 @@
               <p:nvPr>
                 <p:extLst>
                   <p:ext uri="{D42A27DB-BD31-4B8C-83A1-F6EECF244321}">
-                    <p14:modId xmlns:p14="http://schemas.microsoft.com/office/powerpoint/2010/main" val="829675939"/>
+                    <p14:modId xmlns:p14="http://schemas.microsoft.com/office/powerpoint/2010/main" val="2326290570"/>
                   </p:ext>
                 </p:extLst>
               </p:nvPr>
             </p:nvGraphicFramePr>
             <p:xfrm>
               <a:off x="101600" y="4104592"/>
-              <a:ext cx="8869338" cy="2753408"/>
+              <a:ext cx="8869338" cy="2789238"/>
             </p:xfrm>
             <a:graphic>
               <a:graphicData uri="http://schemas.openxmlformats.org/drawingml/2006/table">
@@ -20677,7 +20715,7 @@
                       </a:extLst>
                     </a:gridCol>
                   </a:tblGrid>
-                  <a:tr h="2753408">
+                  <a:tr h="2789238">
                     <a:tc>
                       <a:txBody>
                         <a:bodyPr/>
@@ -20726,7 +20764,7 @@
                         <a:blipFill>
                           <a:blip r:embed="rId3"/>
                           <a:stretch>
-                            <a:fillRect r="-168140" b="-2212"/>
+                            <a:fillRect r="-168140" b="-2402"/>
                           </a:stretch>
                         </a:blipFill>
                       </a:tcPr>
@@ -20779,7 +20817,7 @@
                         <a:blipFill>
                           <a:blip r:embed="rId3"/>
                           <a:stretch>
-                            <a:fillRect l="-109256" r="-83702" b="-2212"/>
+                            <a:fillRect l="-109256" r="-83702" b="-2402"/>
                           </a:stretch>
                         </a:blipFill>
                       </a:tcPr>
@@ -20832,7 +20870,7 @@
                         <a:blipFill>
                           <a:blip r:embed="rId3"/>
                           <a:stretch>
-                            <a:fillRect l="-250000" b="-2212"/>
+                            <a:fillRect l="-250000" b="-2402"/>
                           </a:stretch>
                         </a:blipFill>
                       </a:tcPr>

--- a/Презентация.pptx
+++ b/Презентация.pptx
@@ -292,7 +292,7 @@
           <a:p>
             <a:fld id="{518245B6-B359-4415-AF27-45B23E446E39}" type="datetimeFigureOut">
               <a:rPr lang="ru-RU" smtClean="0"/>
-              <a:t>29.05.2023</a:t>
+              <a:t>30.05.2023</a:t>
             </a:fld>
             <a:endParaRPr lang="ru-RU"/>
           </a:p>
@@ -469,7 +469,7 @@
           <a:p>
             <a:fld id="{C6EA2570-70E6-4F35-8EFA-084ECBFD8BF4}" type="datetimeFigureOut">
               <a:rPr lang="ru-RU" smtClean="0"/>
-              <a:t>29.05.2023</a:t>
+              <a:t>30.05.2023</a:t>
             </a:fld>
             <a:endParaRPr lang="ru-RU"/>
           </a:p>
@@ -813,7 +813,7 @@
           <a:p>
             <a:fld id="{BA0C5CEE-B912-440D-8024-19BBB5E5B1DB}" type="datetimeFigureOut">
               <a:rPr lang="ru-RU" smtClean="0"/>
-              <a:t>29.05.2023</a:t>
+              <a:t>30.05.2023</a:t>
             </a:fld>
             <a:endParaRPr lang="ru-RU" dirty="0"/>
           </a:p>
@@ -988,7 +988,7 @@
           <a:p>
             <a:fld id="{BA0C5CEE-B912-440D-8024-19BBB5E5B1DB}" type="datetimeFigureOut">
               <a:rPr lang="ru-RU" smtClean="0"/>
-              <a:t>29.05.2023</a:t>
+              <a:t>30.05.2023</a:t>
             </a:fld>
             <a:endParaRPr lang="ru-RU" dirty="0"/>
           </a:p>
@@ -1180,7 +1180,7 @@
           <a:p>
             <a:fld id="{BA0C5CEE-B912-440D-8024-19BBB5E5B1DB}" type="datetimeFigureOut">
               <a:rPr lang="ru-RU" smtClean="0"/>
-              <a:t>29.05.2023</a:t>
+              <a:t>30.05.2023</a:t>
             </a:fld>
             <a:endParaRPr lang="ru-RU" dirty="0"/>
           </a:p>
@@ -1424,7 +1424,7 @@
           <a:p>
             <a:fld id="{BA0C5CEE-B912-440D-8024-19BBB5E5B1DB}" type="datetimeFigureOut">
               <a:rPr lang="ru-RU" smtClean="0"/>
-              <a:t>29.05.2023</a:t>
+              <a:t>30.05.2023</a:t>
             </a:fld>
             <a:endParaRPr lang="ru-RU" dirty="0"/>
           </a:p>
@@ -1637,7 +1637,7 @@
           <a:p>
             <a:fld id="{BA0C5CEE-B912-440D-8024-19BBB5E5B1DB}" type="datetimeFigureOut">
               <a:rPr lang="ru-RU" smtClean="0"/>
-              <a:t>29.05.2023</a:t>
+              <a:t>30.05.2023</a:t>
             </a:fld>
             <a:endParaRPr lang="ru-RU" dirty="0"/>
           </a:p>
@@ -12099,8 +12099,8 @@
         </p:blipFill>
         <p:spPr>
           <a:xfrm>
-            <a:off x="4510453" y="3568502"/>
-            <a:ext cx="4627436" cy="2875084"/>
+            <a:off x="4510453" y="3568593"/>
+            <a:ext cx="4627436" cy="2874901"/>
           </a:xfrm>
           <a:prstGeom prst="rect">
             <a:avLst/>
@@ -12410,6 +12410,126 @@
                 <a:cs typeface="Times New Roman" panose="02020603050405020304" pitchFamily="18" charset="0"/>
               </a:rPr>
               <a:t> = 3.70E-05 </a:t>
+            </a:r>
+            <a:endParaRPr lang="ru-RU" dirty="0"/>
+          </a:p>
+        </p:txBody>
+      </p:sp>
+      <p:sp>
+        <p:nvSpPr>
+          <p:cNvPr id="11" name="TextBox 10">
+            <a:extLst>
+              <a:ext uri="{FF2B5EF4-FFF2-40B4-BE49-F238E27FC236}">
+                <a16:creationId xmlns:a16="http://schemas.microsoft.com/office/drawing/2014/main" id="{2EF41643-9DEE-4632-8F7D-34DB34E40C36}"/>
+              </a:ext>
+            </a:extLst>
+          </p:cNvPr>
+          <p:cNvSpPr txBox="1"/>
+          <p:nvPr/>
+        </p:nvSpPr>
+        <p:spPr>
+          <a:xfrm>
+            <a:off x="4999160" y="5191274"/>
+            <a:ext cx="3382840" cy="646331"/>
+          </a:xfrm>
+          <a:prstGeom prst="rect">
+            <a:avLst/>
+          </a:prstGeom>
+          <a:noFill/>
+        </p:spPr>
+        <p:txBody>
+          <a:bodyPr wrap="square">
+            <a:spAutoFit/>
+          </a:bodyPr>
+          <a:lstStyle/>
+          <a:p>
+            <a:r>
+              <a:rPr lang="ru-RU" sz="1800" i="1" dirty="0" err="1">
+                <a:effectLst/>
+                <a:latin typeface="Calibri" panose="020F0502020204030204" pitchFamily="34" charset="0"/>
+                <a:ea typeface="SimSun" panose="02010600030101010101" pitchFamily="2" charset="-122"/>
+                <a:cs typeface="Times New Roman" panose="02020603050405020304" pitchFamily="18" charset="0"/>
+              </a:rPr>
+              <a:t>Max</a:t>
+            </a:r>
+            <a:r>
+              <a:rPr lang="ru-RU" sz="1800" i="1" dirty="0">
+                <a:effectLst/>
+                <a:latin typeface="Calibri" panose="020F0502020204030204" pitchFamily="34" charset="0"/>
+                <a:ea typeface="SimSun" panose="02010600030101010101" pitchFamily="2" charset="-122"/>
+                <a:cs typeface="Times New Roman" panose="02020603050405020304" pitchFamily="18" charset="0"/>
+              </a:rPr>
+              <a:t> </a:t>
+            </a:r>
+            <a:r>
+              <a:rPr lang="en-US" sz="1800" i="1" dirty="0">
+                <a:effectLst/>
+                <a:latin typeface="Calibri" panose="020F0502020204030204" pitchFamily="34" charset="0"/>
+                <a:ea typeface="SimSun" panose="02010600030101010101" pitchFamily="2" charset="-122"/>
+                <a:cs typeface="Times New Roman" panose="02020603050405020304" pitchFamily="18" charset="0"/>
+              </a:rPr>
+              <a:t>integral</a:t>
+            </a:r>
+            <a:r>
+              <a:rPr lang="ru-RU" sz="1800" i="1" dirty="0">
+                <a:effectLst/>
+                <a:latin typeface="Calibri" panose="020F0502020204030204" pitchFamily="34" charset="0"/>
+                <a:ea typeface="SimSun" panose="02010600030101010101" pitchFamily="2" charset="-122"/>
+                <a:cs typeface="Times New Roman" panose="02020603050405020304" pitchFamily="18" charset="0"/>
+              </a:rPr>
+              <a:t> </a:t>
+            </a:r>
+            <a:r>
+              <a:rPr lang="ru-RU" sz="1800" i="1" dirty="0" err="1">
+                <a:effectLst/>
+                <a:latin typeface="Calibri" panose="020F0502020204030204" pitchFamily="34" charset="0"/>
+                <a:ea typeface="SimSun" panose="02010600030101010101" pitchFamily="2" charset="-122"/>
+                <a:cs typeface="Times New Roman" panose="02020603050405020304" pitchFamily="18" charset="0"/>
+              </a:rPr>
+              <a:t>value</a:t>
+            </a:r>
+            <a:r>
+              <a:rPr lang="ru-RU" sz="1800" i="1" dirty="0">
+                <a:effectLst/>
+                <a:latin typeface="Calibri" panose="020F0502020204030204" pitchFamily="34" charset="0"/>
+                <a:ea typeface="SimSun" panose="02010600030101010101" pitchFamily="2" charset="-122"/>
+                <a:cs typeface="Times New Roman" panose="02020603050405020304" pitchFamily="18" charset="0"/>
+              </a:rPr>
+              <a:t> = </a:t>
+            </a:r>
+            <a:r>
+              <a:rPr lang="en-US" dirty="0"/>
+              <a:t>7.46E-08</a:t>
+            </a:r>
+            <a:endParaRPr lang="ru-RU" sz="1800" i="1" dirty="0">
+              <a:effectLst/>
+              <a:latin typeface="Calibri" panose="020F0502020204030204" pitchFamily="34" charset="0"/>
+              <a:ea typeface="SimSun" panose="02010600030101010101" pitchFamily="2" charset="-122"/>
+              <a:cs typeface="Times New Roman" panose="02020603050405020304" pitchFamily="18" charset="0"/>
+            </a:endParaRPr>
+          </a:p>
+          <a:p>
+            <a:r>
+              <a:rPr lang="ru-RU" sz="1800" i="1" dirty="0" err="1">
+                <a:effectLst/>
+                <a:latin typeface="Calibri" panose="020F0502020204030204" pitchFamily="34" charset="0"/>
+                <a:ea typeface="SimSun" panose="02010600030101010101" pitchFamily="2" charset="-122"/>
+                <a:cs typeface="Times New Roman" panose="02020603050405020304" pitchFamily="18" charset="0"/>
+              </a:rPr>
+              <a:t>Light</a:t>
+            </a:r>
+            <a:r>
+              <a:rPr lang="ru-RU" sz="1800" i="1" dirty="0">
+                <a:effectLst/>
+                <a:latin typeface="Calibri" panose="020F0502020204030204" pitchFamily="34" charset="0"/>
+                <a:ea typeface="SimSun" panose="02010600030101010101" pitchFamily="2" charset="-122"/>
+                <a:cs typeface="Times New Roman" panose="02020603050405020304" pitchFamily="18" charset="0"/>
+              </a:rPr>
+              <a:t> = </a:t>
+            </a:r>
+            <a:r>
+              <a:rPr lang="en-US" dirty="0"/>
+              <a:t>3.78E-05</a:t>
             </a:r>
             <a:endParaRPr lang="ru-RU" dirty="0"/>
           </a:p>
@@ -14452,7 +14572,7 @@
           <a:graphicData uri="http://schemas.openxmlformats.org/presentationml/2006/ole">
             <mc:AlternateContent xmlns:mc="http://schemas.openxmlformats.org/markup-compatibility/2006">
               <mc:Choice xmlns:v="urn:schemas-microsoft-com:vml" Requires="v">
-                <p:oleObj spid="_x0000_s1060" name="CS ChemDraw Drawing" r:id="rId4" imgW="3916776" imgH="481493" progId="ChemDraw.Document.6.0">
+                <p:oleObj spid="_x0000_s1066" name="CS ChemDraw Drawing" r:id="rId4" imgW="3916776" imgH="481493" progId="ChemDraw.Document.6.0">
                   <p:embed/>
                 </p:oleObj>
               </mc:Choice>
@@ -15295,8 +15415,8 @@
           </p:sp>
         </mc:Fallback>
       </mc:AlternateContent>
-      <mc:AlternateContent xmlns:mc="http://schemas.openxmlformats.org/markup-compatibility/2006">
-        <mc:Choice xmlns:a14="http://schemas.microsoft.com/office/drawing/2010/main" Requires="a14">
+      <mc:AlternateContent xmlns:mc="http://schemas.openxmlformats.org/markup-compatibility/2006" xmlns:a14="http://schemas.microsoft.com/office/drawing/2010/main">
+        <mc:Choice Requires="a14">
           <p:sp>
             <p:nvSpPr>
               <p:cNvPr id="8" name="Объект 5">
@@ -15831,7 +15951,7 @@
             </p:txBody>
           </p:sp>
         </mc:Choice>
-        <mc:Fallback>
+        <mc:Fallback xmlns="">
           <p:sp>
             <p:nvSpPr>
               <p:cNvPr id="8" name="Объект 5">
@@ -15973,7 +16093,7 @@
           <a:graphicData uri="http://schemas.openxmlformats.org/presentationml/2006/ole">
             <mc:AlternateContent xmlns:mc="http://schemas.openxmlformats.org/markup-compatibility/2006">
               <mc:Choice xmlns:v="urn:schemas-microsoft-com:vml" Requires="v">
-                <p:oleObj spid="_x0000_s1061" name="CS ChemDraw Drawing" r:id="rId8" imgW="4805066" imgH="571406" progId="ChemDraw.Document.6.0">
+                <p:oleObj spid="_x0000_s1067" name="CS ChemDraw Drawing" r:id="rId8" imgW="4805066" imgH="571406" progId="ChemDraw.Document.6.0">
                   <p:embed/>
                 </p:oleObj>
               </mc:Choice>
@@ -16100,7 +16220,7 @@
           <a:graphicData uri="http://schemas.openxmlformats.org/presentationml/2006/ole">
             <mc:AlternateContent xmlns:mc="http://schemas.openxmlformats.org/markup-compatibility/2006">
               <mc:Choice xmlns:v="urn:schemas-microsoft-com:vml" Requires="v">
-                <p:oleObj spid="_x0000_s1062" name="CS ChemDraw Drawing" r:id="rId10" imgW="713117" imgH="478422" progId="ChemDraw.Document.6.0">
+                <p:oleObj spid="_x0000_s1068" name="CS ChemDraw Drawing" r:id="rId10" imgW="713117" imgH="478422" progId="ChemDraw.Document.6.0">
                   <p:embed/>
                 </p:oleObj>
               </mc:Choice>
@@ -16200,8 +16320,8 @@
           </a:p>
         </p:txBody>
       </p:sp>
-      <mc:AlternateContent xmlns:mc="http://schemas.openxmlformats.org/markup-compatibility/2006">
-        <mc:Choice xmlns:a14="http://schemas.microsoft.com/office/drawing/2010/main" Requires="a14">
+      <mc:AlternateContent xmlns:mc="http://schemas.openxmlformats.org/markup-compatibility/2006" xmlns:a14="http://schemas.microsoft.com/office/drawing/2010/main">
+        <mc:Choice Requires="a14">
           <p:sp>
             <p:nvSpPr>
               <p:cNvPr id="3" name="Объект 2">
@@ -16332,7 +16452,7 @@
             </p:txBody>
           </p:sp>
         </mc:Choice>
-        <mc:Fallback>
+        <mc:Fallback xmlns="">
           <p:sp>
             <p:nvSpPr>
               <p:cNvPr id="3" name="Объект 2">
@@ -16445,8 +16565,8 @@
           </a:p>
         </p:txBody>
       </p:sp>
-      <mc:AlternateContent xmlns:mc="http://schemas.openxmlformats.org/markup-compatibility/2006">
-        <mc:Choice xmlns:a14="http://schemas.microsoft.com/office/drawing/2010/main" Requires="a14">
+      <mc:AlternateContent xmlns:mc="http://schemas.openxmlformats.org/markup-compatibility/2006" xmlns:a14="http://schemas.microsoft.com/office/drawing/2010/main">
+        <mc:Choice Requires="a14">
           <p:sp>
             <p:nvSpPr>
               <p:cNvPr id="7" name="Объект 2">
@@ -16786,7 +16906,7 @@
             </p:txBody>
           </p:sp>
         </mc:Choice>
-        <mc:Fallback>
+        <mc:Fallback xmlns="">
           <p:sp>
             <p:nvSpPr>
               <p:cNvPr id="7" name="Объект 2">
@@ -17113,7 +17233,7 @@
           <a:graphicData uri="http://schemas.openxmlformats.org/presentationml/2006/ole">
             <mc:AlternateContent xmlns:mc="http://schemas.openxmlformats.org/markup-compatibility/2006">
               <mc:Choice xmlns:v="urn:schemas-microsoft-com:vml" Requires="v">
-                <p:oleObj spid="_x0000_s3106" name="CS ChemDraw Drawing" r:id="rId5" imgW="3819215" imgH="643097" progId="ChemDraw.Document.6.0">
+                <p:oleObj spid="_x0000_s3110" name="CS ChemDraw Drawing" r:id="rId5" imgW="3819215" imgH="643097" progId="ChemDraw.Document.6.0">
                   <p:embed/>
                 </p:oleObj>
               </mc:Choice>
@@ -17249,7 +17369,7 @@
           <a:graphicData uri="http://schemas.openxmlformats.org/presentationml/2006/ole">
             <mc:AlternateContent xmlns:mc="http://schemas.openxmlformats.org/markup-compatibility/2006">
               <mc:Choice xmlns:v="urn:schemas-microsoft-com:vml" Requires="v">
-                <p:oleObj spid="_x0000_s3107" name="CS ChemDraw Drawing" r:id="rId7" imgW="5896391" imgH="797083" progId="ChemDraw.Document.6.0">
+                <p:oleObj spid="_x0000_s3111" name="CS ChemDraw Drawing" r:id="rId7" imgW="5896391" imgH="797083" progId="ChemDraw.Document.6.0">
                   <p:embed/>
                 </p:oleObj>
               </mc:Choice>
@@ -17348,8 +17468,8 @@
           </a:p>
         </p:txBody>
       </p:sp>
-      <mc:AlternateContent xmlns:mc="http://schemas.openxmlformats.org/markup-compatibility/2006">
-        <mc:Choice xmlns:a14="http://schemas.microsoft.com/office/drawing/2010/main" Requires="a14">
+      <mc:AlternateContent xmlns:mc="http://schemas.openxmlformats.org/markup-compatibility/2006" xmlns:a14="http://schemas.microsoft.com/office/drawing/2010/main">
+        <mc:Choice Requires="a14">
           <p:sp>
             <p:nvSpPr>
               <p:cNvPr id="3" name="Объект 2">
@@ -17498,7 +17618,7 @@
             </p:txBody>
           </p:sp>
         </mc:Choice>
-        <mc:Fallback>
+        <mc:Fallback xmlns="">
           <p:sp>
             <p:nvSpPr>
               <p:cNvPr id="3" name="Объект 2">
@@ -17639,7 +17759,7 @@
           <a:graphicData uri="http://schemas.openxmlformats.org/presentationml/2006/ole">
             <mc:AlternateContent xmlns:mc="http://schemas.openxmlformats.org/markup-compatibility/2006">
               <mc:Choice xmlns:v="urn:schemas-microsoft-com:vml" Requires="v">
-                <p:oleObj spid="_x0000_s5135" name="CS ChemDraw Drawing" r:id="rId4" imgW="4454451" imgH="2689667" progId="ChemDraw.Document.6.0">
+                <p:oleObj spid="_x0000_s5137" name="CS ChemDraw Drawing" r:id="rId4" imgW="4454451" imgH="2689667" progId="ChemDraw.Document.6.0">
                   <p:embed/>
                 </p:oleObj>
               </mc:Choice>
@@ -17785,8 +17905,8 @@
           </a:prstGeom>
         </p:spPr>
       </p:pic>
-      <mc:AlternateContent xmlns:mc="http://schemas.openxmlformats.org/markup-compatibility/2006">
-        <mc:Choice xmlns:a14="http://schemas.microsoft.com/office/drawing/2010/main" Requires="a14">
+      <mc:AlternateContent xmlns:mc="http://schemas.openxmlformats.org/markup-compatibility/2006" xmlns:a14="http://schemas.microsoft.com/office/drawing/2010/main">
+        <mc:Choice Requires="a14">
           <p:graphicFrame>
             <p:nvGraphicFramePr>
               <p:cNvPr id="7" name="Таблица 7">
@@ -20661,7 +20781,7 @@
             </a:graphic>
           </p:graphicFrame>
         </mc:Choice>
-        <mc:Fallback>
+        <mc:Fallback xmlns="">
           <p:graphicFrame>
             <p:nvGraphicFramePr>
               <p:cNvPr id="7" name="Таблица 7">

--- a/Презентация.pptx
+++ b/Презентация.pptx
@@ -292,7 +292,7 @@
           <a:p>
             <a:fld id="{518245B6-B359-4415-AF27-45B23E446E39}" type="datetimeFigureOut">
               <a:rPr lang="ru-RU" smtClean="0"/>
-              <a:t>30.05.2023</a:t>
+              <a:t>08.06.2023</a:t>
             </a:fld>
             <a:endParaRPr lang="ru-RU"/>
           </a:p>
@@ -469,7 +469,7 @@
           <a:p>
             <a:fld id="{C6EA2570-70E6-4F35-8EFA-084ECBFD8BF4}" type="datetimeFigureOut">
               <a:rPr lang="ru-RU" smtClean="0"/>
-              <a:t>30.05.2023</a:t>
+              <a:t>08.06.2023</a:t>
             </a:fld>
             <a:endParaRPr lang="ru-RU"/>
           </a:p>
@@ -813,7 +813,7 @@
           <a:p>
             <a:fld id="{BA0C5CEE-B912-440D-8024-19BBB5E5B1DB}" type="datetimeFigureOut">
               <a:rPr lang="ru-RU" smtClean="0"/>
-              <a:t>30.05.2023</a:t>
+              <a:t>08.06.2023</a:t>
             </a:fld>
             <a:endParaRPr lang="ru-RU" dirty="0"/>
           </a:p>
@@ -988,7 +988,7 @@
           <a:p>
             <a:fld id="{BA0C5CEE-B912-440D-8024-19BBB5E5B1DB}" type="datetimeFigureOut">
               <a:rPr lang="ru-RU" smtClean="0"/>
-              <a:t>30.05.2023</a:t>
+              <a:t>08.06.2023</a:t>
             </a:fld>
             <a:endParaRPr lang="ru-RU" dirty="0"/>
           </a:p>
@@ -1180,7 +1180,7 @@
           <a:p>
             <a:fld id="{BA0C5CEE-B912-440D-8024-19BBB5E5B1DB}" type="datetimeFigureOut">
               <a:rPr lang="ru-RU" smtClean="0"/>
-              <a:t>30.05.2023</a:t>
+              <a:t>08.06.2023</a:t>
             </a:fld>
             <a:endParaRPr lang="ru-RU" dirty="0"/>
           </a:p>
@@ -1424,7 +1424,7 @@
           <a:p>
             <a:fld id="{BA0C5CEE-B912-440D-8024-19BBB5E5B1DB}" type="datetimeFigureOut">
               <a:rPr lang="ru-RU" smtClean="0"/>
-              <a:t>30.05.2023</a:t>
+              <a:t>08.06.2023</a:t>
             </a:fld>
             <a:endParaRPr lang="ru-RU" dirty="0"/>
           </a:p>
@@ -1637,7 +1637,7 @@
           <a:p>
             <a:fld id="{BA0C5CEE-B912-440D-8024-19BBB5E5B1DB}" type="datetimeFigureOut">
               <a:rPr lang="ru-RU" smtClean="0"/>
-              <a:t>30.05.2023</a:t>
+              <a:t>08.06.2023</a:t>
             </a:fld>
             <a:endParaRPr lang="ru-RU" dirty="0"/>
           </a:p>
@@ -2065,7 +2065,7 @@
           <a:p>
             <a:r>
               <a:rPr lang="ru-RU" sz="3200" b="1" dirty="0"/>
-              <a:t>Математическое моделирование – реакции фотовосстановления о-хинонов в присутствии третичных аминов</a:t>
+              <a:t>Математическое моделирование реакции фотовосстановления о-хинонов в присутствии третичных аминов</a:t>
             </a:r>
           </a:p>
         </p:txBody>
@@ -13711,10 +13711,7 @@
           </a:bodyPr>
           <a:lstStyle/>
           <a:p>
-            <a:r>
-              <a:rPr lang="ru-RU" dirty="0"/>
-              <a:t>Фотосенсибилизация</a:t>
-            </a:r>
+            <a:endParaRPr lang="ru-RU" dirty="0"/>
           </a:p>
         </p:txBody>
       </p:sp>
@@ -14572,7 +14569,7 @@
           <a:graphicData uri="http://schemas.openxmlformats.org/presentationml/2006/ole">
             <mc:AlternateContent xmlns:mc="http://schemas.openxmlformats.org/markup-compatibility/2006">
               <mc:Choice xmlns:v="urn:schemas-microsoft-com:vml" Requires="v">
-                <p:oleObj spid="_x0000_s1066" name="CS ChemDraw Drawing" r:id="rId4" imgW="3916776" imgH="481493" progId="ChemDraw.Document.6.0">
+                <p:oleObj spid="_x0000_s1072" name="CS ChemDraw Drawing" r:id="rId4" imgW="3916776" imgH="481493" progId="ChemDraw.Document.6.0">
                   <p:embed/>
                 </p:oleObj>
               </mc:Choice>
@@ -16093,7 +16090,7 @@
           <a:graphicData uri="http://schemas.openxmlformats.org/presentationml/2006/ole">
             <mc:AlternateContent xmlns:mc="http://schemas.openxmlformats.org/markup-compatibility/2006">
               <mc:Choice xmlns:v="urn:schemas-microsoft-com:vml" Requires="v">
-                <p:oleObj spid="_x0000_s1067" name="CS ChemDraw Drawing" r:id="rId8" imgW="4805066" imgH="571406" progId="ChemDraw.Document.6.0">
+                <p:oleObj spid="_x0000_s1073" name="CS ChemDraw Drawing" r:id="rId8" imgW="4805066" imgH="571406" progId="ChemDraw.Document.6.0">
                   <p:embed/>
                 </p:oleObj>
               </mc:Choice>
@@ -16220,7 +16217,7 @@
           <a:graphicData uri="http://schemas.openxmlformats.org/presentationml/2006/ole">
             <mc:AlternateContent xmlns:mc="http://schemas.openxmlformats.org/markup-compatibility/2006">
               <mc:Choice xmlns:v="urn:schemas-microsoft-com:vml" Requires="v">
-                <p:oleObj spid="_x0000_s1068" name="CS ChemDraw Drawing" r:id="rId10" imgW="713117" imgH="478422" progId="ChemDraw.Document.6.0">
+                <p:oleObj spid="_x0000_s1074" name="CS ChemDraw Drawing" r:id="rId10" imgW="713117" imgH="478422" progId="ChemDraw.Document.6.0">
                   <p:embed/>
                 </p:oleObj>
               </mc:Choice>
@@ -17233,7 +17230,7 @@
           <a:graphicData uri="http://schemas.openxmlformats.org/presentationml/2006/ole">
             <mc:AlternateContent xmlns:mc="http://schemas.openxmlformats.org/markup-compatibility/2006">
               <mc:Choice xmlns:v="urn:schemas-microsoft-com:vml" Requires="v">
-                <p:oleObj spid="_x0000_s3110" name="CS ChemDraw Drawing" r:id="rId5" imgW="3819215" imgH="643097" progId="ChemDraw.Document.6.0">
+                <p:oleObj spid="_x0000_s3114" name="CS ChemDraw Drawing" r:id="rId5" imgW="3819215" imgH="643097" progId="ChemDraw.Document.6.0">
                   <p:embed/>
                 </p:oleObj>
               </mc:Choice>
@@ -17369,7 +17366,7 @@
           <a:graphicData uri="http://schemas.openxmlformats.org/presentationml/2006/ole">
             <mc:AlternateContent xmlns:mc="http://schemas.openxmlformats.org/markup-compatibility/2006">
               <mc:Choice xmlns:v="urn:schemas-microsoft-com:vml" Requires="v">
-                <p:oleObj spid="_x0000_s3111" name="CS ChemDraw Drawing" r:id="rId7" imgW="5896391" imgH="797083" progId="ChemDraw.Document.6.0">
+                <p:oleObj spid="_x0000_s3115" name="CS ChemDraw Drawing" r:id="rId7" imgW="5896391" imgH="797083" progId="ChemDraw.Document.6.0">
                   <p:embed/>
                 </p:oleObj>
               </mc:Choice>
@@ -17759,7 +17756,7 @@
           <a:graphicData uri="http://schemas.openxmlformats.org/presentationml/2006/ole">
             <mc:AlternateContent xmlns:mc="http://schemas.openxmlformats.org/markup-compatibility/2006">
               <mc:Choice xmlns:v="urn:schemas-microsoft-com:vml" Requires="v">
-                <p:oleObj spid="_x0000_s5137" name="CS ChemDraw Drawing" r:id="rId4" imgW="4454451" imgH="2689667" progId="ChemDraw.Document.6.0">
+                <p:oleObj spid="_x0000_s5139" name="CS ChemDraw Drawing" r:id="rId4" imgW="4454451" imgH="2689667" progId="ChemDraw.Document.6.0">
                   <p:embed/>
                 </p:oleObj>
               </mc:Choice>
